--- a/oneDAL/proposals/2021-03-21/array-methods-deprecation.pptx
+++ b/oneDAL/proposals/2021-03-21/array-methods-deprecation.pptx
@@ -350,456 +350,6 @@
 <file path=ppt/changesInfos/changesInfo1.xml><?xml version="1.0" encoding="utf-8"?>
 <pc:chgInfo xmlns:a="http://schemas.openxmlformats.org/drawingml/2006/main" xmlns:r="http://schemas.openxmlformats.org/officeDocument/2006/relationships" xmlns:ac="http://schemas.microsoft.com/office/drawing/2013/main/command" xmlns:pc="http://schemas.microsoft.com/office/powerpoint/2013/main/command">
   <pc:docChgLst>
-    <pc:chgData name="Israfilov, Ruslan" userId="333b6087-0dd7-4054-ae4c-02f41f1879ad" providerId="ADAL" clId="{5114A05F-9365-43FD-9AB6-35197A184D6D}"/>
-    <pc:docChg chg="undo redo custSel addSld delSld modSld">
-      <pc:chgData name="Israfilov, Ruslan" userId="333b6087-0dd7-4054-ae4c-02f41f1879ad" providerId="ADAL" clId="{5114A05F-9365-43FD-9AB6-35197A184D6D}" dt="2021-03-24T16:59:26.468" v="2422" actId="20577"/>
-      <pc:docMkLst>
-        <pc:docMk/>
-      </pc:docMkLst>
-      <pc:sldChg chg="modSp mod">
-        <pc:chgData name="Israfilov, Ruslan" userId="333b6087-0dd7-4054-ae4c-02f41f1879ad" providerId="ADAL" clId="{5114A05F-9365-43FD-9AB6-35197A184D6D}" dt="2021-03-24T16:58:59.200" v="2410" actId="20577"/>
-        <pc:sldMkLst>
-          <pc:docMk/>
-          <pc:sldMk cId="3102934450" sldId="262"/>
-        </pc:sldMkLst>
-        <pc:spChg chg="mod">
-          <ac:chgData name="Israfilov, Ruslan" userId="333b6087-0dd7-4054-ae4c-02f41f1879ad" providerId="ADAL" clId="{5114A05F-9365-43FD-9AB6-35197A184D6D}" dt="2021-03-24T16:58:59.200" v="2410" actId="20577"/>
-          <ac:spMkLst>
-            <pc:docMk/>
-            <pc:sldMk cId="3102934450" sldId="262"/>
-            <ac:spMk id="5" creationId="{679F4BE2-8E4A-4003-B816-9E34781F7E88}"/>
-          </ac:spMkLst>
-        </pc:spChg>
-        <pc:spChg chg="mod">
-          <ac:chgData name="Israfilov, Ruslan" userId="333b6087-0dd7-4054-ae4c-02f41f1879ad" providerId="ADAL" clId="{5114A05F-9365-43FD-9AB6-35197A184D6D}" dt="2021-03-24T15:41:18.053" v="20" actId="20577"/>
-          <ac:spMkLst>
-            <pc:docMk/>
-            <pc:sldMk cId="3102934450" sldId="262"/>
-            <ac:spMk id="9" creationId="{ABEAF9F9-E88D-44A4-A1B6-BAA2E532B65E}"/>
-          </ac:spMkLst>
-        </pc:spChg>
-      </pc:sldChg>
-      <pc:sldChg chg="del">
-        <pc:chgData name="Israfilov, Ruslan" userId="333b6087-0dd7-4054-ae4c-02f41f1879ad" providerId="ADAL" clId="{5114A05F-9365-43FD-9AB6-35197A184D6D}" dt="2021-03-24T16:41:21.320" v="2091" actId="47"/>
-        <pc:sldMkLst>
-          <pc:docMk/>
-          <pc:sldMk cId="297593419" sldId="342"/>
-        </pc:sldMkLst>
-      </pc:sldChg>
-      <pc:sldChg chg="del">
-        <pc:chgData name="Israfilov, Ruslan" userId="333b6087-0dd7-4054-ae4c-02f41f1879ad" providerId="ADAL" clId="{5114A05F-9365-43FD-9AB6-35197A184D6D}" dt="2021-03-24T16:41:21.953" v="2092" actId="47"/>
-        <pc:sldMkLst>
-          <pc:docMk/>
-          <pc:sldMk cId="1356007464" sldId="343"/>
-        </pc:sldMkLst>
-      </pc:sldChg>
-      <pc:sldChg chg="del">
-        <pc:chgData name="Israfilov, Ruslan" userId="333b6087-0dd7-4054-ae4c-02f41f1879ad" providerId="ADAL" clId="{5114A05F-9365-43FD-9AB6-35197A184D6D}" dt="2021-03-24T16:41:22.406" v="2093" actId="47"/>
-        <pc:sldMkLst>
-          <pc:docMk/>
-          <pc:sldMk cId="963812734" sldId="344"/>
-        </pc:sldMkLst>
-      </pc:sldChg>
-      <pc:sldChg chg="del">
-        <pc:chgData name="Israfilov, Ruslan" userId="333b6087-0dd7-4054-ae4c-02f41f1879ad" providerId="ADAL" clId="{5114A05F-9365-43FD-9AB6-35197A184D6D}" dt="2021-03-24T16:41:22.661" v="2094" actId="47"/>
-        <pc:sldMkLst>
-          <pc:docMk/>
-          <pc:sldMk cId="1407664210" sldId="345"/>
-        </pc:sldMkLst>
-      </pc:sldChg>
-      <pc:sldChg chg="del">
-        <pc:chgData name="Israfilov, Ruslan" userId="333b6087-0dd7-4054-ae4c-02f41f1879ad" providerId="ADAL" clId="{5114A05F-9365-43FD-9AB6-35197A184D6D}" dt="2021-03-24T16:41:22.692" v="2095" actId="47"/>
-        <pc:sldMkLst>
-          <pc:docMk/>
-          <pc:sldMk cId="3494429524" sldId="346"/>
-        </pc:sldMkLst>
-      </pc:sldChg>
-      <pc:sldChg chg="del">
-        <pc:chgData name="Israfilov, Ruslan" userId="333b6087-0dd7-4054-ae4c-02f41f1879ad" providerId="ADAL" clId="{5114A05F-9365-43FD-9AB6-35197A184D6D}" dt="2021-03-24T16:41:22.856" v="2096" actId="47"/>
-        <pc:sldMkLst>
-          <pc:docMk/>
-          <pc:sldMk cId="4228529016" sldId="347"/>
-        </pc:sldMkLst>
-      </pc:sldChg>
-      <pc:sldChg chg="addSp delSp modSp mod">
-        <pc:chgData name="Israfilov, Ruslan" userId="333b6087-0dd7-4054-ae4c-02f41f1879ad" providerId="ADAL" clId="{5114A05F-9365-43FD-9AB6-35197A184D6D}" dt="2021-03-24T16:27:54" v="1565" actId="313"/>
-        <pc:sldMkLst>
-          <pc:docMk/>
-          <pc:sldMk cId="2622178092" sldId="348"/>
-        </pc:sldMkLst>
-        <pc:spChg chg="mod">
-          <ac:chgData name="Israfilov, Ruslan" userId="333b6087-0dd7-4054-ae4c-02f41f1879ad" providerId="ADAL" clId="{5114A05F-9365-43FD-9AB6-35197A184D6D}" dt="2021-03-24T15:51:27.666" v="114" actId="1076"/>
-          <ac:spMkLst>
-            <pc:docMk/>
-            <pc:sldMk cId="2622178092" sldId="348"/>
-            <ac:spMk id="2" creationId="{2A037F7B-C7D8-4ABF-BB36-E2F29E71872D}"/>
-          </ac:spMkLst>
-        </pc:spChg>
-        <pc:spChg chg="del">
-          <ac:chgData name="Israfilov, Ruslan" userId="333b6087-0dd7-4054-ae4c-02f41f1879ad" providerId="ADAL" clId="{5114A05F-9365-43FD-9AB6-35197A184D6D}" dt="2021-03-24T15:41:44.914" v="61" actId="478"/>
-          <ac:spMkLst>
-            <pc:docMk/>
-            <pc:sldMk cId="2622178092" sldId="348"/>
-            <ac:spMk id="3" creationId="{94D1B292-AAF8-4945-A6F7-D7A005E93209}"/>
-          </ac:spMkLst>
-        </pc:spChg>
-        <pc:spChg chg="add del mod">
-          <ac:chgData name="Israfilov, Ruslan" userId="333b6087-0dd7-4054-ae4c-02f41f1879ad" providerId="ADAL" clId="{5114A05F-9365-43FD-9AB6-35197A184D6D}" dt="2021-03-24T15:49:42.076" v="71"/>
-          <ac:spMkLst>
-            <pc:docMk/>
-            <pc:sldMk cId="2622178092" sldId="348"/>
-            <ac:spMk id="4" creationId="{10C92781-E0BA-4742-8583-B9AAC132C89F}"/>
-          </ac:spMkLst>
-        </pc:spChg>
-        <pc:spChg chg="add del mod">
-          <ac:chgData name="Israfilov, Ruslan" userId="333b6087-0dd7-4054-ae4c-02f41f1879ad" providerId="ADAL" clId="{5114A05F-9365-43FD-9AB6-35197A184D6D}" dt="2021-03-24T15:49:47.753" v="73"/>
-          <ac:spMkLst>
-            <pc:docMk/>
-            <pc:sldMk cId="2622178092" sldId="348"/>
-            <ac:spMk id="5" creationId="{68CE72D7-9C9F-48B7-A394-5D764E0E700C}"/>
-          </ac:spMkLst>
-        </pc:spChg>
-        <pc:spChg chg="add del mod">
-          <ac:chgData name="Israfilov, Ruslan" userId="333b6087-0dd7-4054-ae4c-02f41f1879ad" providerId="ADAL" clId="{5114A05F-9365-43FD-9AB6-35197A184D6D}" dt="2021-03-24T15:49:49.908" v="77"/>
-          <ac:spMkLst>
-            <pc:docMk/>
-            <pc:sldMk cId="2622178092" sldId="348"/>
-            <ac:spMk id="6" creationId="{5BC04EDF-FB0D-4670-B3A7-C87A58E41A0E}"/>
-          </ac:spMkLst>
-        </pc:spChg>
-        <pc:spChg chg="add del mod">
-          <ac:chgData name="Israfilov, Ruslan" userId="333b6087-0dd7-4054-ae4c-02f41f1879ad" providerId="ADAL" clId="{5114A05F-9365-43FD-9AB6-35197A184D6D}" dt="2021-03-24T15:50:07.965" v="88" actId="478"/>
-          <ac:spMkLst>
-            <pc:docMk/>
-            <pc:sldMk cId="2622178092" sldId="348"/>
-            <ac:spMk id="7" creationId="{59583F13-D09C-4B02-BA7A-370FCDB1F9BB}"/>
-          </ac:spMkLst>
-        </pc:spChg>
-        <pc:spChg chg="add del mod">
-          <ac:chgData name="Israfilov, Ruslan" userId="333b6087-0dd7-4054-ae4c-02f41f1879ad" providerId="ADAL" clId="{5114A05F-9365-43FD-9AB6-35197A184D6D}" dt="2021-03-24T15:50:21.372" v="98"/>
-          <ac:spMkLst>
-            <pc:docMk/>
-            <pc:sldMk cId="2622178092" sldId="348"/>
-            <ac:spMk id="8" creationId="{D2736283-80A9-4E58-86F8-C7896AC149A3}"/>
-          </ac:spMkLst>
-        </pc:spChg>
-        <pc:spChg chg="add del mod">
-          <ac:chgData name="Israfilov, Ruslan" userId="333b6087-0dd7-4054-ae4c-02f41f1879ad" providerId="ADAL" clId="{5114A05F-9365-43FD-9AB6-35197A184D6D}" dt="2021-03-24T15:55:58.327" v="233" actId="478"/>
-          <ac:spMkLst>
-            <pc:docMk/>
-            <pc:sldMk cId="2622178092" sldId="348"/>
-            <ac:spMk id="9" creationId="{E5FE2DA9-EAFA-4FF2-A57F-2C913CE4EA98}"/>
-          </ac:spMkLst>
-        </pc:spChg>
-        <pc:spChg chg="add mod">
-          <ac:chgData name="Israfilov, Ruslan" userId="333b6087-0dd7-4054-ae4c-02f41f1879ad" providerId="ADAL" clId="{5114A05F-9365-43FD-9AB6-35197A184D6D}" dt="2021-03-24T16:02:28.004" v="697" actId="1037"/>
-          <ac:spMkLst>
-            <pc:docMk/>
-            <pc:sldMk cId="2622178092" sldId="348"/>
-            <ac:spMk id="10" creationId="{2A2CF1E9-3565-4695-A36F-3F27FA864DEF}"/>
-          </ac:spMkLst>
-        </pc:spChg>
-        <pc:spChg chg="add mod">
-          <ac:chgData name="Israfilov, Ruslan" userId="333b6087-0dd7-4054-ae4c-02f41f1879ad" providerId="ADAL" clId="{5114A05F-9365-43FD-9AB6-35197A184D6D}" dt="2021-03-24T16:22:21.161" v="1331" actId="1076"/>
-          <ac:spMkLst>
-            <pc:docMk/>
-            <pc:sldMk cId="2622178092" sldId="348"/>
-            <ac:spMk id="11" creationId="{65256B0C-7F36-4CC1-B203-D29E238A294D}"/>
-          </ac:spMkLst>
-        </pc:spChg>
-        <pc:spChg chg="add mod">
-          <ac:chgData name="Israfilov, Ruslan" userId="333b6087-0dd7-4054-ae4c-02f41f1879ad" providerId="ADAL" clId="{5114A05F-9365-43FD-9AB6-35197A184D6D}" dt="2021-03-24T16:27:54" v="1565" actId="313"/>
-          <ac:spMkLst>
-            <pc:docMk/>
-            <pc:sldMk cId="2622178092" sldId="348"/>
-            <ac:spMk id="12" creationId="{1F74179F-E301-46C4-A314-A496C12A0B6D}"/>
-          </ac:spMkLst>
-        </pc:spChg>
-      </pc:sldChg>
-      <pc:sldChg chg="del">
-        <pc:chgData name="Israfilov, Ruslan" userId="333b6087-0dd7-4054-ae4c-02f41f1879ad" providerId="ADAL" clId="{5114A05F-9365-43FD-9AB6-35197A184D6D}" dt="2021-03-24T16:41:23.342" v="2099" actId="47"/>
-        <pc:sldMkLst>
-          <pc:docMk/>
-          <pc:sldMk cId="2560809786" sldId="349"/>
-        </pc:sldMkLst>
-      </pc:sldChg>
-      <pc:sldChg chg="del">
-        <pc:chgData name="Israfilov, Ruslan" userId="333b6087-0dd7-4054-ae4c-02f41f1879ad" providerId="ADAL" clId="{5114A05F-9365-43FD-9AB6-35197A184D6D}" dt="2021-03-24T16:41:23.240" v="2098" actId="47"/>
-        <pc:sldMkLst>
-          <pc:docMk/>
-          <pc:sldMk cId="2563943873" sldId="372"/>
-        </pc:sldMkLst>
-      </pc:sldChg>
-      <pc:sldChg chg="del">
-        <pc:chgData name="Israfilov, Ruslan" userId="333b6087-0dd7-4054-ae4c-02f41f1879ad" providerId="ADAL" clId="{5114A05F-9365-43FD-9AB6-35197A184D6D}" dt="2021-03-24T16:41:23.024" v="2097" actId="47"/>
-        <pc:sldMkLst>
-          <pc:docMk/>
-          <pc:sldMk cId="3735326796" sldId="416"/>
-        </pc:sldMkLst>
-      </pc:sldChg>
-      <pc:sldChg chg="addSp delSp modSp add mod">
-        <pc:chgData name="Israfilov, Ruslan" userId="333b6087-0dd7-4054-ae4c-02f41f1879ad" providerId="ADAL" clId="{5114A05F-9365-43FD-9AB6-35197A184D6D}" dt="2021-03-24T16:59:26.468" v="2422" actId="20577"/>
-        <pc:sldMkLst>
-          <pc:docMk/>
-          <pc:sldMk cId="3096926864" sldId="417"/>
-        </pc:sldMkLst>
-        <pc:spChg chg="mod">
-          <ac:chgData name="Israfilov, Ruslan" userId="333b6087-0dd7-4054-ae4c-02f41f1879ad" providerId="ADAL" clId="{5114A05F-9365-43FD-9AB6-35197A184D6D}" dt="2021-03-24T16:59:19.155" v="2421" actId="20577"/>
-          <ac:spMkLst>
-            <pc:docMk/>
-            <pc:sldMk cId="3096926864" sldId="417"/>
-            <ac:spMk id="2" creationId="{2A037F7B-C7D8-4ABF-BB36-E2F29E71872D}"/>
-          </ac:spMkLst>
-        </pc:spChg>
-        <pc:spChg chg="add mod">
-          <ac:chgData name="Israfilov, Ruslan" userId="333b6087-0dd7-4054-ae4c-02f41f1879ad" providerId="ADAL" clId="{5114A05F-9365-43FD-9AB6-35197A184D6D}" dt="2021-03-24T16:59:26.468" v="2422" actId="20577"/>
-          <ac:spMkLst>
-            <pc:docMk/>
-            <pc:sldMk cId="3096926864" sldId="417"/>
-            <ac:spMk id="3" creationId="{B5078BC6-92F7-4D7A-8D5B-D9A73A312C1B}"/>
-          </ac:spMkLst>
-        </pc:spChg>
-        <pc:spChg chg="add mod">
-          <ac:chgData name="Israfilov, Ruslan" userId="333b6087-0dd7-4054-ae4c-02f41f1879ad" providerId="ADAL" clId="{5114A05F-9365-43FD-9AB6-35197A184D6D}" dt="2021-03-24T16:25:54.145" v="1556" actId="1038"/>
-          <ac:spMkLst>
-            <pc:docMk/>
-            <pc:sldMk cId="3096926864" sldId="417"/>
-            <ac:spMk id="4" creationId="{D81A90A3-42B7-4B11-8957-0C0614630120}"/>
-          </ac:spMkLst>
-        </pc:spChg>
-        <pc:spChg chg="del">
-          <ac:chgData name="Israfilov, Ruslan" userId="333b6087-0dd7-4054-ae4c-02f41f1879ad" providerId="ADAL" clId="{5114A05F-9365-43FD-9AB6-35197A184D6D}" dt="2021-03-24T16:21:33.497" v="1320" actId="478"/>
-          <ac:spMkLst>
-            <pc:docMk/>
-            <pc:sldMk cId="3096926864" sldId="417"/>
-            <ac:spMk id="10" creationId="{2A2CF1E9-3565-4695-A36F-3F27FA864DEF}"/>
-          </ac:spMkLst>
-        </pc:spChg>
-        <pc:spChg chg="del">
-          <ac:chgData name="Israfilov, Ruslan" userId="333b6087-0dd7-4054-ae4c-02f41f1879ad" providerId="ADAL" clId="{5114A05F-9365-43FD-9AB6-35197A184D6D}" dt="2021-03-24T16:21:54.535" v="1328" actId="478"/>
-          <ac:spMkLst>
-            <pc:docMk/>
-            <pc:sldMk cId="3096926864" sldId="417"/>
-            <ac:spMk id="11" creationId="{65256B0C-7F36-4CC1-B203-D29E238A294D}"/>
-          </ac:spMkLst>
-        </pc:spChg>
-        <pc:spChg chg="del mod">
-          <ac:chgData name="Israfilov, Ruslan" userId="333b6087-0dd7-4054-ae4c-02f41f1879ad" providerId="ADAL" clId="{5114A05F-9365-43FD-9AB6-35197A184D6D}" dt="2021-03-24T16:21:31.536" v="1319" actId="478"/>
-          <ac:spMkLst>
-            <pc:docMk/>
-            <pc:sldMk cId="3096926864" sldId="417"/>
-            <ac:spMk id="12" creationId="{1F74179F-E301-46C4-A314-A496C12A0B6D}"/>
-          </ac:spMkLst>
-        </pc:spChg>
-      </pc:sldChg>
-      <pc:sldChg chg="addSp delSp modSp add del mod">
-        <pc:chgData name="Israfilov, Ruslan" userId="333b6087-0dd7-4054-ae4c-02f41f1879ad" providerId="ADAL" clId="{5114A05F-9365-43FD-9AB6-35197A184D6D}" dt="2021-03-24T16:55:07.354" v="2408" actId="20577"/>
-        <pc:sldMkLst>
-          <pc:docMk/>
-          <pc:sldMk cId="1934839881" sldId="418"/>
-        </pc:sldMkLst>
-        <pc:spChg chg="mod">
-          <ac:chgData name="Israfilov, Ruslan" userId="333b6087-0dd7-4054-ae4c-02f41f1879ad" providerId="ADAL" clId="{5114A05F-9365-43FD-9AB6-35197A184D6D}" dt="2021-03-24T16:41:48.581" v="2113" actId="20577"/>
-          <ac:spMkLst>
-            <pc:docMk/>
-            <pc:sldMk cId="1934839881" sldId="418"/>
-            <ac:spMk id="2" creationId="{2A037F7B-C7D8-4ABF-BB36-E2F29E71872D}"/>
-          </ac:spMkLst>
-        </pc:spChg>
-        <pc:spChg chg="del">
-          <ac:chgData name="Israfilov, Ruslan" userId="333b6087-0dd7-4054-ae4c-02f41f1879ad" providerId="ADAL" clId="{5114A05F-9365-43FD-9AB6-35197A184D6D}" dt="2021-03-24T16:27:24.448" v="1564" actId="478"/>
-          <ac:spMkLst>
-            <pc:docMk/>
-            <pc:sldMk cId="1934839881" sldId="418"/>
-            <ac:spMk id="3" creationId="{B5078BC6-92F7-4D7A-8D5B-D9A73A312C1B}"/>
-          </ac:spMkLst>
-        </pc:spChg>
-        <pc:spChg chg="del">
-          <ac:chgData name="Israfilov, Ruslan" userId="333b6087-0dd7-4054-ae4c-02f41f1879ad" providerId="ADAL" clId="{5114A05F-9365-43FD-9AB6-35197A184D6D}" dt="2021-03-24T16:30:52.752" v="1596" actId="478"/>
-          <ac:spMkLst>
-            <pc:docMk/>
-            <pc:sldMk cId="1934839881" sldId="418"/>
-            <ac:spMk id="4" creationId="{D81A90A3-42B7-4B11-8957-0C0614630120}"/>
-          </ac:spMkLst>
-        </pc:spChg>
-        <pc:spChg chg="add mod">
-          <ac:chgData name="Israfilov, Ruslan" userId="333b6087-0dd7-4054-ae4c-02f41f1879ad" providerId="ADAL" clId="{5114A05F-9365-43FD-9AB6-35197A184D6D}" dt="2021-03-24T16:39:08.015" v="2066" actId="1036"/>
-          <ac:spMkLst>
-            <pc:docMk/>
-            <pc:sldMk cId="1934839881" sldId="418"/>
-            <ac:spMk id="5" creationId="{4F99A0F5-87FF-486C-96D3-688110290FDA}"/>
-          </ac:spMkLst>
-        </pc:spChg>
-        <pc:spChg chg="add mod">
-          <ac:chgData name="Israfilov, Ruslan" userId="333b6087-0dd7-4054-ae4c-02f41f1879ad" providerId="ADAL" clId="{5114A05F-9365-43FD-9AB6-35197A184D6D}" dt="2021-03-24T16:43:40.133" v="2152" actId="20577"/>
-          <ac:spMkLst>
-            <pc:docMk/>
-            <pc:sldMk cId="1934839881" sldId="418"/>
-            <ac:spMk id="6" creationId="{86063D7D-0AB1-459E-AEE0-D51837663398}"/>
-          </ac:spMkLst>
-        </pc:spChg>
-        <pc:spChg chg="add mod">
-          <ac:chgData name="Israfilov, Ruslan" userId="333b6087-0dd7-4054-ae4c-02f41f1879ad" providerId="ADAL" clId="{5114A05F-9365-43FD-9AB6-35197A184D6D}" dt="2021-03-24T16:39:08.015" v="2066" actId="1036"/>
-          <ac:spMkLst>
-            <pc:docMk/>
-            <pc:sldMk cId="1934839881" sldId="418"/>
-            <ac:spMk id="7" creationId="{9BFF3AF4-884A-46D8-9A89-0B7F0731D43D}"/>
-          </ac:spMkLst>
-        </pc:spChg>
-        <pc:spChg chg="add mod">
-          <ac:chgData name="Israfilov, Ruslan" userId="333b6087-0dd7-4054-ae4c-02f41f1879ad" providerId="ADAL" clId="{5114A05F-9365-43FD-9AB6-35197A184D6D}" dt="2021-03-24T16:39:22.944" v="2082" actId="20577"/>
-          <ac:spMkLst>
-            <pc:docMk/>
-            <pc:sldMk cId="1934839881" sldId="418"/>
-            <ac:spMk id="8" creationId="{16D3DBE8-35AC-4C6F-8F1A-6200455506F1}"/>
-          </ac:spMkLst>
-        </pc:spChg>
-        <pc:spChg chg="add mod">
-          <ac:chgData name="Israfilov, Ruslan" userId="333b6087-0dd7-4054-ae4c-02f41f1879ad" providerId="ADAL" clId="{5114A05F-9365-43FD-9AB6-35197A184D6D}" dt="2021-03-24T16:39:08.015" v="2066" actId="1036"/>
-          <ac:spMkLst>
-            <pc:docMk/>
-            <pc:sldMk cId="1934839881" sldId="418"/>
-            <ac:spMk id="9" creationId="{1699555A-6297-4D48-9682-D959B24F5CD4}"/>
-          </ac:spMkLst>
-        </pc:spChg>
-        <pc:spChg chg="add mod">
-          <ac:chgData name="Israfilov, Ruslan" userId="333b6087-0dd7-4054-ae4c-02f41f1879ad" providerId="ADAL" clId="{5114A05F-9365-43FD-9AB6-35197A184D6D}" dt="2021-03-24T16:39:08.015" v="2066" actId="1036"/>
-          <ac:spMkLst>
-            <pc:docMk/>
-            <pc:sldMk cId="1934839881" sldId="418"/>
-            <ac:spMk id="10" creationId="{4A4C92BD-6291-4BF9-ACF6-E3C87A1EACD3}"/>
-          </ac:spMkLst>
-        </pc:spChg>
-        <pc:spChg chg="add mod">
-          <ac:chgData name="Israfilov, Ruslan" userId="333b6087-0dd7-4054-ae4c-02f41f1879ad" providerId="ADAL" clId="{5114A05F-9365-43FD-9AB6-35197A184D6D}" dt="2021-03-24T16:39:08.015" v="2066" actId="1036"/>
-          <ac:spMkLst>
-            <pc:docMk/>
-            <pc:sldMk cId="1934839881" sldId="418"/>
-            <ac:spMk id="11" creationId="{42AAEB73-5711-4BEF-ADD0-75B5A674EFBA}"/>
-          </ac:spMkLst>
-        </pc:spChg>
-        <pc:spChg chg="add mod">
-          <ac:chgData name="Israfilov, Ruslan" userId="333b6087-0dd7-4054-ae4c-02f41f1879ad" providerId="ADAL" clId="{5114A05F-9365-43FD-9AB6-35197A184D6D}" dt="2021-03-24T16:55:07.354" v="2408" actId="20577"/>
-          <ac:spMkLst>
-            <pc:docMk/>
-            <pc:sldMk cId="1934839881" sldId="418"/>
-            <ac:spMk id="12" creationId="{34A9F63B-5782-48C2-A642-DE3F8401729B}"/>
-          </ac:spMkLst>
-        </pc:spChg>
-      </pc:sldChg>
-      <pc:sldChg chg="addSp delSp modSp add mod">
-        <pc:chgData name="Israfilov, Ruslan" userId="333b6087-0dd7-4054-ae4c-02f41f1879ad" providerId="ADAL" clId="{5114A05F-9365-43FD-9AB6-35197A184D6D}" dt="2021-03-24T16:50:29.323" v="2404" actId="20577"/>
-        <pc:sldMkLst>
-          <pc:docMk/>
-          <pc:sldMk cId="4128788062" sldId="419"/>
-        </pc:sldMkLst>
-        <pc:spChg chg="mod">
-          <ac:chgData name="Israfilov, Ruslan" userId="333b6087-0dd7-4054-ae4c-02f41f1879ad" providerId="ADAL" clId="{5114A05F-9365-43FD-9AB6-35197A184D6D}" dt="2021-03-24T16:41:53.135" v="2118" actId="20577"/>
-          <ac:spMkLst>
-            <pc:docMk/>
-            <pc:sldMk cId="4128788062" sldId="419"/>
-            <ac:spMk id="2" creationId="{2A037F7B-C7D8-4ABF-BB36-E2F29E71872D}"/>
-          </ac:spMkLst>
-        </pc:spChg>
-        <pc:spChg chg="add mod">
-          <ac:chgData name="Israfilov, Ruslan" userId="333b6087-0dd7-4054-ae4c-02f41f1879ad" providerId="ADAL" clId="{5114A05F-9365-43FD-9AB6-35197A184D6D}" dt="2021-03-24T16:49:49.091" v="2393" actId="1035"/>
-          <ac:spMkLst>
-            <pc:docMk/>
-            <pc:sldMk cId="4128788062" sldId="419"/>
-            <ac:spMk id="3" creationId="{FB99C158-80A0-4761-9E04-ED3C8224C6EE}"/>
-          </ac:spMkLst>
-        </pc:spChg>
-        <pc:spChg chg="add mod">
-          <ac:chgData name="Israfilov, Ruslan" userId="333b6087-0dd7-4054-ae4c-02f41f1879ad" providerId="ADAL" clId="{5114A05F-9365-43FD-9AB6-35197A184D6D}" dt="2021-03-24T16:49:53.631" v="2396" actId="1035"/>
-          <ac:spMkLst>
-            <pc:docMk/>
-            <pc:sldMk cId="4128788062" sldId="419"/>
-            <ac:spMk id="4" creationId="{6C810367-1E71-4C91-9247-B7FB5E55F3FB}"/>
-          </ac:spMkLst>
-        </pc:spChg>
-        <pc:spChg chg="mod">
-          <ac:chgData name="Israfilov, Ruslan" userId="333b6087-0dd7-4054-ae4c-02f41f1879ad" providerId="ADAL" clId="{5114A05F-9365-43FD-9AB6-35197A184D6D}" dt="2021-03-24T16:49:49.091" v="2393" actId="1035"/>
-          <ac:spMkLst>
-            <pc:docMk/>
-            <pc:sldMk cId="4128788062" sldId="419"/>
-            <ac:spMk id="5" creationId="{4F99A0F5-87FF-486C-96D3-688110290FDA}"/>
-          </ac:spMkLst>
-        </pc:spChg>
-        <pc:spChg chg="del mod">
-          <ac:chgData name="Israfilov, Ruslan" userId="333b6087-0dd7-4054-ae4c-02f41f1879ad" providerId="ADAL" clId="{5114A05F-9365-43FD-9AB6-35197A184D6D}" dt="2021-03-24T16:45:23.231" v="2154" actId="478"/>
-          <ac:spMkLst>
-            <pc:docMk/>
-            <pc:sldMk cId="4128788062" sldId="419"/>
-            <ac:spMk id="6" creationId="{86063D7D-0AB1-459E-AEE0-D51837663398}"/>
-          </ac:spMkLst>
-        </pc:spChg>
-        <pc:spChg chg="del">
-          <ac:chgData name="Israfilov, Ruslan" userId="333b6087-0dd7-4054-ae4c-02f41f1879ad" providerId="ADAL" clId="{5114A05F-9365-43FD-9AB6-35197A184D6D}" dt="2021-03-24T16:45:22.151" v="2153" actId="478"/>
-          <ac:spMkLst>
-            <pc:docMk/>
-            <pc:sldMk cId="4128788062" sldId="419"/>
-            <ac:spMk id="7" creationId="{9BFF3AF4-884A-46D8-9A89-0B7F0731D43D}"/>
-          </ac:spMkLst>
-        </pc:spChg>
-        <pc:spChg chg="mod">
-          <ac:chgData name="Israfilov, Ruslan" userId="333b6087-0dd7-4054-ae4c-02f41f1879ad" providerId="ADAL" clId="{5114A05F-9365-43FD-9AB6-35197A184D6D}" dt="2021-03-24T16:49:53.631" v="2396" actId="1035"/>
-          <ac:spMkLst>
-            <pc:docMk/>
-            <pc:sldMk cId="4128788062" sldId="419"/>
-            <ac:spMk id="8" creationId="{16D3DBE8-35AC-4C6F-8F1A-6200455506F1}"/>
-          </ac:spMkLst>
-        </pc:spChg>
-        <pc:spChg chg="del">
-          <ac:chgData name="Israfilov, Ruslan" userId="333b6087-0dd7-4054-ae4c-02f41f1879ad" providerId="ADAL" clId="{5114A05F-9365-43FD-9AB6-35197A184D6D}" dt="2021-03-24T16:45:54.175" v="2186" actId="478"/>
-          <ac:spMkLst>
-            <pc:docMk/>
-            <pc:sldMk cId="4128788062" sldId="419"/>
-            <ac:spMk id="9" creationId="{1699555A-6297-4D48-9682-D959B24F5CD4}"/>
-          </ac:spMkLst>
-        </pc:spChg>
-        <pc:spChg chg="del">
-          <ac:chgData name="Israfilov, Ruslan" userId="333b6087-0dd7-4054-ae4c-02f41f1879ad" providerId="ADAL" clId="{5114A05F-9365-43FD-9AB6-35197A184D6D}" dt="2021-03-24T16:45:52.517" v="2185" actId="478"/>
-          <ac:spMkLst>
-            <pc:docMk/>
-            <pc:sldMk cId="4128788062" sldId="419"/>
-            <ac:spMk id="10" creationId="{4A4C92BD-6291-4BF9-ACF6-E3C87A1EACD3}"/>
-          </ac:spMkLst>
-        </pc:spChg>
-        <pc:spChg chg="del">
-          <ac:chgData name="Israfilov, Ruslan" userId="333b6087-0dd7-4054-ae4c-02f41f1879ad" providerId="ADAL" clId="{5114A05F-9365-43FD-9AB6-35197A184D6D}" dt="2021-03-24T16:45:50.581" v="2184" actId="478"/>
-          <ac:spMkLst>
-            <pc:docMk/>
-            <pc:sldMk cId="4128788062" sldId="419"/>
-            <ac:spMk id="11" creationId="{42AAEB73-5711-4BEF-ADD0-75B5A674EFBA}"/>
-          </ac:spMkLst>
-        </pc:spChg>
-        <pc:spChg chg="mod">
-          <ac:chgData name="Israfilov, Ruslan" userId="333b6087-0dd7-4054-ae4c-02f41f1879ad" providerId="ADAL" clId="{5114A05F-9365-43FD-9AB6-35197A184D6D}" dt="2021-03-24T16:50:29.323" v="2404" actId="20577"/>
-          <ac:spMkLst>
-            <pc:docMk/>
-            <pc:sldMk cId="4128788062" sldId="419"/>
-            <ac:spMk id="12" creationId="{34A9F63B-5782-48C2-A642-DE3F8401729B}"/>
-          </ac:spMkLst>
-        </pc:spChg>
-      </pc:sldChg>
-      <pc:sldMasterChg chg="delSldLayout">
-        <pc:chgData name="Israfilov, Ruslan" userId="333b6087-0dd7-4054-ae4c-02f41f1879ad" providerId="ADAL" clId="{5114A05F-9365-43FD-9AB6-35197A184D6D}" dt="2021-03-24T16:41:23.240" v="2098" actId="47"/>
-        <pc:sldMasterMkLst>
-          <pc:docMk/>
-          <pc:sldMasterMk cId="0" sldId="2147483648"/>
-        </pc:sldMasterMkLst>
-        <pc:sldLayoutChg chg="del">
-          <pc:chgData name="Israfilov, Ruslan" userId="333b6087-0dd7-4054-ae4c-02f41f1879ad" providerId="ADAL" clId="{5114A05F-9365-43FD-9AB6-35197A184D6D}" dt="2021-03-24T16:41:23.240" v="2098" actId="47"/>
-          <pc:sldLayoutMkLst>
-            <pc:docMk/>
-            <pc:sldMasterMk cId="0" sldId="2147483648"/>
-            <pc:sldLayoutMk cId="2351535363" sldId="2147483781"/>
-          </pc:sldLayoutMkLst>
-        </pc:sldLayoutChg>
-      </pc:sldMasterChg>
-    </pc:docChg>
-  </pc:docChgLst>
-  <pc:docChgLst>
     <pc:chgData name="Israfilov, Ruslan" userId="333b6087-0dd7-4054-ae4c-02f41f1879ad" providerId="ADAL" clId="{B9C08F1A-34B5-42AE-8555-718E0E01085C}"/>
     <pc:docChg chg="undo redo custSel mod addSld delSld modSld modMainMaster">
       <pc:chgData name="Israfilov, Ruslan" userId="333b6087-0dd7-4054-ae4c-02f41f1879ad" providerId="ADAL" clId="{B9C08F1A-34B5-42AE-8555-718E0E01085C}" dt="2021-02-19T11:19:48.688" v="6657" actId="732"/>
@@ -2966,6 +2516,456 @@
             <ac:spMk id="5" creationId="{7FE2005A-EE28-4562-A018-55A90BB1BA11}"/>
           </ac:spMkLst>
         </pc:spChg>
+      </pc:sldMasterChg>
+    </pc:docChg>
+  </pc:docChgLst>
+  <pc:docChgLst>
+    <pc:chgData name="Israfilov, Ruslan" userId="333b6087-0dd7-4054-ae4c-02f41f1879ad" providerId="ADAL" clId="{5114A05F-9365-43FD-9AB6-35197A184D6D}"/>
+    <pc:docChg chg="undo redo custSel addSld delSld modSld">
+      <pc:chgData name="Israfilov, Ruslan" userId="333b6087-0dd7-4054-ae4c-02f41f1879ad" providerId="ADAL" clId="{5114A05F-9365-43FD-9AB6-35197A184D6D}" dt="2021-03-24T16:59:26.468" v="2422" actId="20577"/>
+      <pc:docMkLst>
+        <pc:docMk/>
+      </pc:docMkLst>
+      <pc:sldChg chg="modSp mod">
+        <pc:chgData name="Israfilov, Ruslan" userId="333b6087-0dd7-4054-ae4c-02f41f1879ad" providerId="ADAL" clId="{5114A05F-9365-43FD-9AB6-35197A184D6D}" dt="2021-03-24T16:58:59.200" v="2410" actId="20577"/>
+        <pc:sldMkLst>
+          <pc:docMk/>
+          <pc:sldMk cId="3102934450" sldId="262"/>
+        </pc:sldMkLst>
+        <pc:spChg chg="mod">
+          <ac:chgData name="Israfilov, Ruslan" userId="333b6087-0dd7-4054-ae4c-02f41f1879ad" providerId="ADAL" clId="{5114A05F-9365-43FD-9AB6-35197A184D6D}" dt="2021-03-24T16:58:59.200" v="2410" actId="20577"/>
+          <ac:spMkLst>
+            <pc:docMk/>
+            <pc:sldMk cId="3102934450" sldId="262"/>
+            <ac:spMk id="5" creationId="{679F4BE2-8E4A-4003-B816-9E34781F7E88}"/>
+          </ac:spMkLst>
+        </pc:spChg>
+        <pc:spChg chg="mod">
+          <ac:chgData name="Israfilov, Ruslan" userId="333b6087-0dd7-4054-ae4c-02f41f1879ad" providerId="ADAL" clId="{5114A05F-9365-43FD-9AB6-35197A184D6D}" dt="2021-03-24T15:41:18.053" v="20" actId="20577"/>
+          <ac:spMkLst>
+            <pc:docMk/>
+            <pc:sldMk cId="3102934450" sldId="262"/>
+            <ac:spMk id="9" creationId="{ABEAF9F9-E88D-44A4-A1B6-BAA2E532B65E}"/>
+          </ac:spMkLst>
+        </pc:spChg>
+      </pc:sldChg>
+      <pc:sldChg chg="del">
+        <pc:chgData name="Israfilov, Ruslan" userId="333b6087-0dd7-4054-ae4c-02f41f1879ad" providerId="ADAL" clId="{5114A05F-9365-43FD-9AB6-35197A184D6D}" dt="2021-03-24T16:41:21.320" v="2091" actId="47"/>
+        <pc:sldMkLst>
+          <pc:docMk/>
+          <pc:sldMk cId="297593419" sldId="342"/>
+        </pc:sldMkLst>
+      </pc:sldChg>
+      <pc:sldChg chg="del">
+        <pc:chgData name="Israfilov, Ruslan" userId="333b6087-0dd7-4054-ae4c-02f41f1879ad" providerId="ADAL" clId="{5114A05F-9365-43FD-9AB6-35197A184D6D}" dt="2021-03-24T16:41:21.953" v="2092" actId="47"/>
+        <pc:sldMkLst>
+          <pc:docMk/>
+          <pc:sldMk cId="1356007464" sldId="343"/>
+        </pc:sldMkLst>
+      </pc:sldChg>
+      <pc:sldChg chg="del">
+        <pc:chgData name="Israfilov, Ruslan" userId="333b6087-0dd7-4054-ae4c-02f41f1879ad" providerId="ADAL" clId="{5114A05F-9365-43FD-9AB6-35197A184D6D}" dt="2021-03-24T16:41:22.406" v="2093" actId="47"/>
+        <pc:sldMkLst>
+          <pc:docMk/>
+          <pc:sldMk cId="963812734" sldId="344"/>
+        </pc:sldMkLst>
+      </pc:sldChg>
+      <pc:sldChg chg="del">
+        <pc:chgData name="Israfilov, Ruslan" userId="333b6087-0dd7-4054-ae4c-02f41f1879ad" providerId="ADAL" clId="{5114A05F-9365-43FD-9AB6-35197A184D6D}" dt="2021-03-24T16:41:22.661" v="2094" actId="47"/>
+        <pc:sldMkLst>
+          <pc:docMk/>
+          <pc:sldMk cId="1407664210" sldId="345"/>
+        </pc:sldMkLst>
+      </pc:sldChg>
+      <pc:sldChg chg="del">
+        <pc:chgData name="Israfilov, Ruslan" userId="333b6087-0dd7-4054-ae4c-02f41f1879ad" providerId="ADAL" clId="{5114A05F-9365-43FD-9AB6-35197A184D6D}" dt="2021-03-24T16:41:22.692" v="2095" actId="47"/>
+        <pc:sldMkLst>
+          <pc:docMk/>
+          <pc:sldMk cId="3494429524" sldId="346"/>
+        </pc:sldMkLst>
+      </pc:sldChg>
+      <pc:sldChg chg="del">
+        <pc:chgData name="Israfilov, Ruslan" userId="333b6087-0dd7-4054-ae4c-02f41f1879ad" providerId="ADAL" clId="{5114A05F-9365-43FD-9AB6-35197A184D6D}" dt="2021-03-24T16:41:22.856" v="2096" actId="47"/>
+        <pc:sldMkLst>
+          <pc:docMk/>
+          <pc:sldMk cId="4228529016" sldId="347"/>
+        </pc:sldMkLst>
+      </pc:sldChg>
+      <pc:sldChg chg="addSp delSp modSp mod">
+        <pc:chgData name="Israfilov, Ruslan" userId="333b6087-0dd7-4054-ae4c-02f41f1879ad" providerId="ADAL" clId="{5114A05F-9365-43FD-9AB6-35197A184D6D}" dt="2021-03-24T16:27:54" v="1565" actId="313"/>
+        <pc:sldMkLst>
+          <pc:docMk/>
+          <pc:sldMk cId="2622178092" sldId="348"/>
+        </pc:sldMkLst>
+        <pc:spChg chg="mod">
+          <ac:chgData name="Israfilov, Ruslan" userId="333b6087-0dd7-4054-ae4c-02f41f1879ad" providerId="ADAL" clId="{5114A05F-9365-43FD-9AB6-35197A184D6D}" dt="2021-03-24T15:51:27.666" v="114" actId="1076"/>
+          <ac:spMkLst>
+            <pc:docMk/>
+            <pc:sldMk cId="2622178092" sldId="348"/>
+            <ac:spMk id="2" creationId="{2A037F7B-C7D8-4ABF-BB36-E2F29E71872D}"/>
+          </ac:spMkLst>
+        </pc:spChg>
+        <pc:spChg chg="del">
+          <ac:chgData name="Israfilov, Ruslan" userId="333b6087-0dd7-4054-ae4c-02f41f1879ad" providerId="ADAL" clId="{5114A05F-9365-43FD-9AB6-35197A184D6D}" dt="2021-03-24T15:41:44.914" v="61" actId="478"/>
+          <ac:spMkLst>
+            <pc:docMk/>
+            <pc:sldMk cId="2622178092" sldId="348"/>
+            <ac:spMk id="3" creationId="{94D1B292-AAF8-4945-A6F7-D7A005E93209}"/>
+          </ac:spMkLst>
+        </pc:spChg>
+        <pc:spChg chg="add del mod">
+          <ac:chgData name="Israfilov, Ruslan" userId="333b6087-0dd7-4054-ae4c-02f41f1879ad" providerId="ADAL" clId="{5114A05F-9365-43FD-9AB6-35197A184D6D}" dt="2021-03-24T15:49:42.076" v="71"/>
+          <ac:spMkLst>
+            <pc:docMk/>
+            <pc:sldMk cId="2622178092" sldId="348"/>
+            <ac:spMk id="4" creationId="{10C92781-E0BA-4742-8583-B9AAC132C89F}"/>
+          </ac:spMkLst>
+        </pc:spChg>
+        <pc:spChg chg="add del mod">
+          <ac:chgData name="Israfilov, Ruslan" userId="333b6087-0dd7-4054-ae4c-02f41f1879ad" providerId="ADAL" clId="{5114A05F-9365-43FD-9AB6-35197A184D6D}" dt="2021-03-24T15:49:47.753" v="73"/>
+          <ac:spMkLst>
+            <pc:docMk/>
+            <pc:sldMk cId="2622178092" sldId="348"/>
+            <ac:spMk id="5" creationId="{68CE72D7-9C9F-48B7-A394-5D764E0E700C}"/>
+          </ac:spMkLst>
+        </pc:spChg>
+        <pc:spChg chg="add del mod">
+          <ac:chgData name="Israfilov, Ruslan" userId="333b6087-0dd7-4054-ae4c-02f41f1879ad" providerId="ADAL" clId="{5114A05F-9365-43FD-9AB6-35197A184D6D}" dt="2021-03-24T15:49:49.908" v="77"/>
+          <ac:spMkLst>
+            <pc:docMk/>
+            <pc:sldMk cId="2622178092" sldId="348"/>
+            <ac:spMk id="6" creationId="{5BC04EDF-FB0D-4670-B3A7-C87A58E41A0E}"/>
+          </ac:spMkLst>
+        </pc:spChg>
+        <pc:spChg chg="add del mod">
+          <ac:chgData name="Israfilov, Ruslan" userId="333b6087-0dd7-4054-ae4c-02f41f1879ad" providerId="ADAL" clId="{5114A05F-9365-43FD-9AB6-35197A184D6D}" dt="2021-03-24T15:50:07.965" v="88" actId="478"/>
+          <ac:spMkLst>
+            <pc:docMk/>
+            <pc:sldMk cId="2622178092" sldId="348"/>
+            <ac:spMk id="7" creationId="{59583F13-D09C-4B02-BA7A-370FCDB1F9BB}"/>
+          </ac:spMkLst>
+        </pc:spChg>
+        <pc:spChg chg="add del mod">
+          <ac:chgData name="Israfilov, Ruslan" userId="333b6087-0dd7-4054-ae4c-02f41f1879ad" providerId="ADAL" clId="{5114A05F-9365-43FD-9AB6-35197A184D6D}" dt="2021-03-24T15:50:21.372" v="98"/>
+          <ac:spMkLst>
+            <pc:docMk/>
+            <pc:sldMk cId="2622178092" sldId="348"/>
+            <ac:spMk id="8" creationId="{D2736283-80A9-4E58-86F8-C7896AC149A3}"/>
+          </ac:spMkLst>
+        </pc:spChg>
+        <pc:spChg chg="add del mod">
+          <ac:chgData name="Israfilov, Ruslan" userId="333b6087-0dd7-4054-ae4c-02f41f1879ad" providerId="ADAL" clId="{5114A05F-9365-43FD-9AB6-35197A184D6D}" dt="2021-03-24T15:55:58.327" v="233" actId="478"/>
+          <ac:spMkLst>
+            <pc:docMk/>
+            <pc:sldMk cId="2622178092" sldId="348"/>
+            <ac:spMk id="9" creationId="{E5FE2DA9-EAFA-4FF2-A57F-2C913CE4EA98}"/>
+          </ac:spMkLst>
+        </pc:spChg>
+        <pc:spChg chg="add mod">
+          <ac:chgData name="Israfilov, Ruslan" userId="333b6087-0dd7-4054-ae4c-02f41f1879ad" providerId="ADAL" clId="{5114A05F-9365-43FD-9AB6-35197A184D6D}" dt="2021-03-24T16:02:28.004" v="697" actId="1037"/>
+          <ac:spMkLst>
+            <pc:docMk/>
+            <pc:sldMk cId="2622178092" sldId="348"/>
+            <ac:spMk id="10" creationId="{2A2CF1E9-3565-4695-A36F-3F27FA864DEF}"/>
+          </ac:spMkLst>
+        </pc:spChg>
+        <pc:spChg chg="add mod">
+          <ac:chgData name="Israfilov, Ruslan" userId="333b6087-0dd7-4054-ae4c-02f41f1879ad" providerId="ADAL" clId="{5114A05F-9365-43FD-9AB6-35197A184D6D}" dt="2021-03-24T16:22:21.161" v="1331" actId="1076"/>
+          <ac:spMkLst>
+            <pc:docMk/>
+            <pc:sldMk cId="2622178092" sldId="348"/>
+            <ac:spMk id="11" creationId="{65256B0C-7F36-4CC1-B203-D29E238A294D}"/>
+          </ac:spMkLst>
+        </pc:spChg>
+        <pc:spChg chg="add mod">
+          <ac:chgData name="Israfilov, Ruslan" userId="333b6087-0dd7-4054-ae4c-02f41f1879ad" providerId="ADAL" clId="{5114A05F-9365-43FD-9AB6-35197A184D6D}" dt="2021-03-24T16:27:54" v="1565" actId="313"/>
+          <ac:spMkLst>
+            <pc:docMk/>
+            <pc:sldMk cId="2622178092" sldId="348"/>
+            <ac:spMk id="12" creationId="{1F74179F-E301-46C4-A314-A496C12A0B6D}"/>
+          </ac:spMkLst>
+        </pc:spChg>
+      </pc:sldChg>
+      <pc:sldChg chg="del">
+        <pc:chgData name="Israfilov, Ruslan" userId="333b6087-0dd7-4054-ae4c-02f41f1879ad" providerId="ADAL" clId="{5114A05F-9365-43FD-9AB6-35197A184D6D}" dt="2021-03-24T16:41:23.342" v="2099" actId="47"/>
+        <pc:sldMkLst>
+          <pc:docMk/>
+          <pc:sldMk cId="2560809786" sldId="349"/>
+        </pc:sldMkLst>
+      </pc:sldChg>
+      <pc:sldChg chg="del">
+        <pc:chgData name="Israfilov, Ruslan" userId="333b6087-0dd7-4054-ae4c-02f41f1879ad" providerId="ADAL" clId="{5114A05F-9365-43FD-9AB6-35197A184D6D}" dt="2021-03-24T16:41:23.240" v="2098" actId="47"/>
+        <pc:sldMkLst>
+          <pc:docMk/>
+          <pc:sldMk cId="2563943873" sldId="372"/>
+        </pc:sldMkLst>
+      </pc:sldChg>
+      <pc:sldChg chg="del">
+        <pc:chgData name="Israfilov, Ruslan" userId="333b6087-0dd7-4054-ae4c-02f41f1879ad" providerId="ADAL" clId="{5114A05F-9365-43FD-9AB6-35197A184D6D}" dt="2021-03-24T16:41:23.024" v="2097" actId="47"/>
+        <pc:sldMkLst>
+          <pc:docMk/>
+          <pc:sldMk cId="3735326796" sldId="416"/>
+        </pc:sldMkLst>
+      </pc:sldChg>
+      <pc:sldChg chg="addSp delSp modSp add mod">
+        <pc:chgData name="Israfilov, Ruslan" userId="333b6087-0dd7-4054-ae4c-02f41f1879ad" providerId="ADAL" clId="{5114A05F-9365-43FD-9AB6-35197A184D6D}" dt="2021-03-24T16:59:26.468" v="2422" actId="20577"/>
+        <pc:sldMkLst>
+          <pc:docMk/>
+          <pc:sldMk cId="3096926864" sldId="417"/>
+        </pc:sldMkLst>
+        <pc:spChg chg="mod">
+          <ac:chgData name="Israfilov, Ruslan" userId="333b6087-0dd7-4054-ae4c-02f41f1879ad" providerId="ADAL" clId="{5114A05F-9365-43FD-9AB6-35197A184D6D}" dt="2021-03-24T16:59:19.155" v="2421" actId="20577"/>
+          <ac:spMkLst>
+            <pc:docMk/>
+            <pc:sldMk cId="3096926864" sldId="417"/>
+            <ac:spMk id="2" creationId="{2A037F7B-C7D8-4ABF-BB36-E2F29E71872D}"/>
+          </ac:spMkLst>
+        </pc:spChg>
+        <pc:spChg chg="add mod">
+          <ac:chgData name="Israfilov, Ruslan" userId="333b6087-0dd7-4054-ae4c-02f41f1879ad" providerId="ADAL" clId="{5114A05F-9365-43FD-9AB6-35197A184D6D}" dt="2021-03-24T16:59:26.468" v="2422" actId="20577"/>
+          <ac:spMkLst>
+            <pc:docMk/>
+            <pc:sldMk cId="3096926864" sldId="417"/>
+            <ac:spMk id="3" creationId="{B5078BC6-92F7-4D7A-8D5B-D9A73A312C1B}"/>
+          </ac:spMkLst>
+        </pc:spChg>
+        <pc:spChg chg="add mod">
+          <ac:chgData name="Israfilov, Ruslan" userId="333b6087-0dd7-4054-ae4c-02f41f1879ad" providerId="ADAL" clId="{5114A05F-9365-43FD-9AB6-35197A184D6D}" dt="2021-03-24T16:25:54.145" v="1556" actId="1038"/>
+          <ac:spMkLst>
+            <pc:docMk/>
+            <pc:sldMk cId="3096926864" sldId="417"/>
+            <ac:spMk id="4" creationId="{D81A90A3-42B7-4B11-8957-0C0614630120}"/>
+          </ac:spMkLst>
+        </pc:spChg>
+        <pc:spChg chg="del">
+          <ac:chgData name="Israfilov, Ruslan" userId="333b6087-0dd7-4054-ae4c-02f41f1879ad" providerId="ADAL" clId="{5114A05F-9365-43FD-9AB6-35197A184D6D}" dt="2021-03-24T16:21:33.497" v="1320" actId="478"/>
+          <ac:spMkLst>
+            <pc:docMk/>
+            <pc:sldMk cId="3096926864" sldId="417"/>
+            <ac:spMk id="10" creationId="{2A2CF1E9-3565-4695-A36F-3F27FA864DEF}"/>
+          </ac:spMkLst>
+        </pc:spChg>
+        <pc:spChg chg="del">
+          <ac:chgData name="Israfilov, Ruslan" userId="333b6087-0dd7-4054-ae4c-02f41f1879ad" providerId="ADAL" clId="{5114A05F-9365-43FD-9AB6-35197A184D6D}" dt="2021-03-24T16:21:54.535" v="1328" actId="478"/>
+          <ac:spMkLst>
+            <pc:docMk/>
+            <pc:sldMk cId="3096926864" sldId="417"/>
+            <ac:spMk id="11" creationId="{65256B0C-7F36-4CC1-B203-D29E238A294D}"/>
+          </ac:spMkLst>
+        </pc:spChg>
+        <pc:spChg chg="del mod">
+          <ac:chgData name="Israfilov, Ruslan" userId="333b6087-0dd7-4054-ae4c-02f41f1879ad" providerId="ADAL" clId="{5114A05F-9365-43FD-9AB6-35197A184D6D}" dt="2021-03-24T16:21:31.536" v="1319" actId="478"/>
+          <ac:spMkLst>
+            <pc:docMk/>
+            <pc:sldMk cId="3096926864" sldId="417"/>
+            <ac:spMk id="12" creationId="{1F74179F-E301-46C4-A314-A496C12A0B6D}"/>
+          </ac:spMkLst>
+        </pc:spChg>
+      </pc:sldChg>
+      <pc:sldChg chg="addSp delSp modSp add del mod">
+        <pc:chgData name="Israfilov, Ruslan" userId="333b6087-0dd7-4054-ae4c-02f41f1879ad" providerId="ADAL" clId="{5114A05F-9365-43FD-9AB6-35197A184D6D}" dt="2021-03-24T16:55:07.354" v="2408" actId="20577"/>
+        <pc:sldMkLst>
+          <pc:docMk/>
+          <pc:sldMk cId="1934839881" sldId="418"/>
+        </pc:sldMkLst>
+        <pc:spChg chg="mod">
+          <ac:chgData name="Israfilov, Ruslan" userId="333b6087-0dd7-4054-ae4c-02f41f1879ad" providerId="ADAL" clId="{5114A05F-9365-43FD-9AB6-35197A184D6D}" dt="2021-03-24T16:41:48.581" v="2113" actId="20577"/>
+          <ac:spMkLst>
+            <pc:docMk/>
+            <pc:sldMk cId="1934839881" sldId="418"/>
+            <ac:spMk id="2" creationId="{2A037F7B-C7D8-4ABF-BB36-E2F29E71872D}"/>
+          </ac:spMkLst>
+        </pc:spChg>
+        <pc:spChg chg="del">
+          <ac:chgData name="Israfilov, Ruslan" userId="333b6087-0dd7-4054-ae4c-02f41f1879ad" providerId="ADAL" clId="{5114A05F-9365-43FD-9AB6-35197A184D6D}" dt="2021-03-24T16:27:24.448" v="1564" actId="478"/>
+          <ac:spMkLst>
+            <pc:docMk/>
+            <pc:sldMk cId="1934839881" sldId="418"/>
+            <ac:spMk id="3" creationId="{B5078BC6-92F7-4D7A-8D5B-D9A73A312C1B}"/>
+          </ac:spMkLst>
+        </pc:spChg>
+        <pc:spChg chg="del">
+          <ac:chgData name="Israfilov, Ruslan" userId="333b6087-0dd7-4054-ae4c-02f41f1879ad" providerId="ADAL" clId="{5114A05F-9365-43FD-9AB6-35197A184D6D}" dt="2021-03-24T16:30:52.752" v="1596" actId="478"/>
+          <ac:spMkLst>
+            <pc:docMk/>
+            <pc:sldMk cId="1934839881" sldId="418"/>
+            <ac:spMk id="4" creationId="{D81A90A3-42B7-4B11-8957-0C0614630120}"/>
+          </ac:spMkLst>
+        </pc:spChg>
+        <pc:spChg chg="add mod">
+          <ac:chgData name="Israfilov, Ruslan" userId="333b6087-0dd7-4054-ae4c-02f41f1879ad" providerId="ADAL" clId="{5114A05F-9365-43FD-9AB6-35197A184D6D}" dt="2021-03-24T16:39:08.015" v="2066" actId="1036"/>
+          <ac:spMkLst>
+            <pc:docMk/>
+            <pc:sldMk cId="1934839881" sldId="418"/>
+            <ac:spMk id="5" creationId="{4F99A0F5-87FF-486C-96D3-688110290FDA}"/>
+          </ac:spMkLst>
+        </pc:spChg>
+        <pc:spChg chg="add mod">
+          <ac:chgData name="Israfilov, Ruslan" userId="333b6087-0dd7-4054-ae4c-02f41f1879ad" providerId="ADAL" clId="{5114A05F-9365-43FD-9AB6-35197A184D6D}" dt="2021-03-24T16:43:40.133" v="2152" actId="20577"/>
+          <ac:spMkLst>
+            <pc:docMk/>
+            <pc:sldMk cId="1934839881" sldId="418"/>
+            <ac:spMk id="6" creationId="{86063D7D-0AB1-459E-AEE0-D51837663398}"/>
+          </ac:spMkLst>
+        </pc:spChg>
+        <pc:spChg chg="add mod">
+          <ac:chgData name="Israfilov, Ruslan" userId="333b6087-0dd7-4054-ae4c-02f41f1879ad" providerId="ADAL" clId="{5114A05F-9365-43FD-9AB6-35197A184D6D}" dt="2021-03-24T16:39:08.015" v="2066" actId="1036"/>
+          <ac:spMkLst>
+            <pc:docMk/>
+            <pc:sldMk cId="1934839881" sldId="418"/>
+            <ac:spMk id="7" creationId="{9BFF3AF4-884A-46D8-9A89-0B7F0731D43D}"/>
+          </ac:spMkLst>
+        </pc:spChg>
+        <pc:spChg chg="add mod">
+          <ac:chgData name="Israfilov, Ruslan" userId="333b6087-0dd7-4054-ae4c-02f41f1879ad" providerId="ADAL" clId="{5114A05F-9365-43FD-9AB6-35197A184D6D}" dt="2021-03-24T16:39:22.944" v="2082" actId="20577"/>
+          <ac:spMkLst>
+            <pc:docMk/>
+            <pc:sldMk cId="1934839881" sldId="418"/>
+            <ac:spMk id="8" creationId="{16D3DBE8-35AC-4C6F-8F1A-6200455506F1}"/>
+          </ac:spMkLst>
+        </pc:spChg>
+        <pc:spChg chg="add mod">
+          <ac:chgData name="Israfilov, Ruslan" userId="333b6087-0dd7-4054-ae4c-02f41f1879ad" providerId="ADAL" clId="{5114A05F-9365-43FD-9AB6-35197A184D6D}" dt="2021-03-24T16:39:08.015" v="2066" actId="1036"/>
+          <ac:spMkLst>
+            <pc:docMk/>
+            <pc:sldMk cId="1934839881" sldId="418"/>
+            <ac:spMk id="9" creationId="{1699555A-6297-4D48-9682-D959B24F5CD4}"/>
+          </ac:spMkLst>
+        </pc:spChg>
+        <pc:spChg chg="add mod">
+          <ac:chgData name="Israfilov, Ruslan" userId="333b6087-0dd7-4054-ae4c-02f41f1879ad" providerId="ADAL" clId="{5114A05F-9365-43FD-9AB6-35197A184D6D}" dt="2021-03-24T16:39:08.015" v="2066" actId="1036"/>
+          <ac:spMkLst>
+            <pc:docMk/>
+            <pc:sldMk cId="1934839881" sldId="418"/>
+            <ac:spMk id="10" creationId="{4A4C92BD-6291-4BF9-ACF6-E3C87A1EACD3}"/>
+          </ac:spMkLst>
+        </pc:spChg>
+        <pc:spChg chg="add mod">
+          <ac:chgData name="Israfilov, Ruslan" userId="333b6087-0dd7-4054-ae4c-02f41f1879ad" providerId="ADAL" clId="{5114A05F-9365-43FD-9AB6-35197A184D6D}" dt="2021-03-24T16:39:08.015" v="2066" actId="1036"/>
+          <ac:spMkLst>
+            <pc:docMk/>
+            <pc:sldMk cId="1934839881" sldId="418"/>
+            <ac:spMk id="11" creationId="{42AAEB73-5711-4BEF-ADD0-75B5A674EFBA}"/>
+          </ac:spMkLst>
+        </pc:spChg>
+        <pc:spChg chg="add mod">
+          <ac:chgData name="Israfilov, Ruslan" userId="333b6087-0dd7-4054-ae4c-02f41f1879ad" providerId="ADAL" clId="{5114A05F-9365-43FD-9AB6-35197A184D6D}" dt="2021-03-24T16:55:07.354" v="2408" actId="20577"/>
+          <ac:spMkLst>
+            <pc:docMk/>
+            <pc:sldMk cId="1934839881" sldId="418"/>
+            <ac:spMk id="12" creationId="{34A9F63B-5782-48C2-A642-DE3F8401729B}"/>
+          </ac:spMkLst>
+        </pc:spChg>
+      </pc:sldChg>
+      <pc:sldChg chg="addSp delSp modSp add mod">
+        <pc:chgData name="Israfilov, Ruslan" userId="333b6087-0dd7-4054-ae4c-02f41f1879ad" providerId="ADAL" clId="{5114A05F-9365-43FD-9AB6-35197A184D6D}" dt="2021-03-24T16:50:29.323" v="2404" actId="20577"/>
+        <pc:sldMkLst>
+          <pc:docMk/>
+          <pc:sldMk cId="4128788062" sldId="419"/>
+        </pc:sldMkLst>
+        <pc:spChg chg="mod">
+          <ac:chgData name="Israfilov, Ruslan" userId="333b6087-0dd7-4054-ae4c-02f41f1879ad" providerId="ADAL" clId="{5114A05F-9365-43FD-9AB6-35197A184D6D}" dt="2021-03-24T16:41:53.135" v="2118" actId="20577"/>
+          <ac:spMkLst>
+            <pc:docMk/>
+            <pc:sldMk cId="4128788062" sldId="419"/>
+            <ac:spMk id="2" creationId="{2A037F7B-C7D8-4ABF-BB36-E2F29E71872D}"/>
+          </ac:spMkLst>
+        </pc:spChg>
+        <pc:spChg chg="add mod">
+          <ac:chgData name="Israfilov, Ruslan" userId="333b6087-0dd7-4054-ae4c-02f41f1879ad" providerId="ADAL" clId="{5114A05F-9365-43FD-9AB6-35197A184D6D}" dt="2021-03-24T16:49:49.091" v="2393" actId="1035"/>
+          <ac:spMkLst>
+            <pc:docMk/>
+            <pc:sldMk cId="4128788062" sldId="419"/>
+            <ac:spMk id="3" creationId="{FB99C158-80A0-4761-9E04-ED3C8224C6EE}"/>
+          </ac:spMkLst>
+        </pc:spChg>
+        <pc:spChg chg="add mod">
+          <ac:chgData name="Israfilov, Ruslan" userId="333b6087-0dd7-4054-ae4c-02f41f1879ad" providerId="ADAL" clId="{5114A05F-9365-43FD-9AB6-35197A184D6D}" dt="2021-03-24T16:49:53.631" v="2396" actId="1035"/>
+          <ac:spMkLst>
+            <pc:docMk/>
+            <pc:sldMk cId="4128788062" sldId="419"/>
+            <ac:spMk id="4" creationId="{6C810367-1E71-4C91-9247-B7FB5E55F3FB}"/>
+          </ac:spMkLst>
+        </pc:spChg>
+        <pc:spChg chg="mod">
+          <ac:chgData name="Israfilov, Ruslan" userId="333b6087-0dd7-4054-ae4c-02f41f1879ad" providerId="ADAL" clId="{5114A05F-9365-43FD-9AB6-35197A184D6D}" dt="2021-03-24T16:49:49.091" v="2393" actId="1035"/>
+          <ac:spMkLst>
+            <pc:docMk/>
+            <pc:sldMk cId="4128788062" sldId="419"/>
+            <ac:spMk id="5" creationId="{4F99A0F5-87FF-486C-96D3-688110290FDA}"/>
+          </ac:spMkLst>
+        </pc:spChg>
+        <pc:spChg chg="del mod">
+          <ac:chgData name="Israfilov, Ruslan" userId="333b6087-0dd7-4054-ae4c-02f41f1879ad" providerId="ADAL" clId="{5114A05F-9365-43FD-9AB6-35197A184D6D}" dt="2021-03-24T16:45:23.231" v="2154" actId="478"/>
+          <ac:spMkLst>
+            <pc:docMk/>
+            <pc:sldMk cId="4128788062" sldId="419"/>
+            <ac:spMk id="6" creationId="{86063D7D-0AB1-459E-AEE0-D51837663398}"/>
+          </ac:spMkLst>
+        </pc:spChg>
+        <pc:spChg chg="del">
+          <ac:chgData name="Israfilov, Ruslan" userId="333b6087-0dd7-4054-ae4c-02f41f1879ad" providerId="ADAL" clId="{5114A05F-9365-43FD-9AB6-35197A184D6D}" dt="2021-03-24T16:45:22.151" v="2153" actId="478"/>
+          <ac:spMkLst>
+            <pc:docMk/>
+            <pc:sldMk cId="4128788062" sldId="419"/>
+            <ac:spMk id="7" creationId="{9BFF3AF4-884A-46D8-9A89-0B7F0731D43D}"/>
+          </ac:spMkLst>
+        </pc:spChg>
+        <pc:spChg chg="mod">
+          <ac:chgData name="Israfilov, Ruslan" userId="333b6087-0dd7-4054-ae4c-02f41f1879ad" providerId="ADAL" clId="{5114A05F-9365-43FD-9AB6-35197A184D6D}" dt="2021-03-24T16:49:53.631" v="2396" actId="1035"/>
+          <ac:spMkLst>
+            <pc:docMk/>
+            <pc:sldMk cId="4128788062" sldId="419"/>
+            <ac:spMk id="8" creationId="{16D3DBE8-35AC-4C6F-8F1A-6200455506F1}"/>
+          </ac:spMkLst>
+        </pc:spChg>
+        <pc:spChg chg="del">
+          <ac:chgData name="Israfilov, Ruslan" userId="333b6087-0dd7-4054-ae4c-02f41f1879ad" providerId="ADAL" clId="{5114A05F-9365-43FD-9AB6-35197A184D6D}" dt="2021-03-24T16:45:54.175" v="2186" actId="478"/>
+          <ac:spMkLst>
+            <pc:docMk/>
+            <pc:sldMk cId="4128788062" sldId="419"/>
+            <ac:spMk id="9" creationId="{1699555A-6297-4D48-9682-D959B24F5CD4}"/>
+          </ac:spMkLst>
+        </pc:spChg>
+        <pc:spChg chg="del">
+          <ac:chgData name="Israfilov, Ruslan" userId="333b6087-0dd7-4054-ae4c-02f41f1879ad" providerId="ADAL" clId="{5114A05F-9365-43FD-9AB6-35197A184D6D}" dt="2021-03-24T16:45:52.517" v="2185" actId="478"/>
+          <ac:spMkLst>
+            <pc:docMk/>
+            <pc:sldMk cId="4128788062" sldId="419"/>
+            <ac:spMk id="10" creationId="{4A4C92BD-6291-4BF9-ACF6-E3C87A1EACD3}"/>
+          </ac:spMkLst>
+        </pc:spChg>
+        <pc:spChg chg="del">
+          <ac:chgData name="Israfilov, Ruslan" userId="333b6087-0dd7-4054-ae4c-02f41f1879ad" providerId="ADAL" clId="{5114A05F-9365-43FD-9AB6-35197A184D6D}" dt="2021-03-24T16:45:50.581" v="2184" actId="478"/>
+          <ac:spMkLst>
+            <pc:docMk/>
+            <pc:sldMk cId="4128788062" sldId="419"/>
+            <ac:spMk id="11" creationId="{42AAEB73-5711-4BEF-ADD0-75B5A674EFBA}"/>
+          </ac:spMkLst>
+        </pc:spChg>
+        <pc:spChg chg="mod">
+          <ac:chgData name="Israfilov, Ruslan" userId="333b6087-0dd7-4054-ae4c-02f41f1879ad" providerId="ADAL" clId="{5114A05F-9365-43FD-9AB6-35197A184D6D}" dt="2021-03-24T16:50:29.323" v="2404" actId="20577"/>
+          <ac:spMkLst>
+            <pc:docMk/>
+            <pc:sldMk cId="4128788062" sldId="419"/>
+            <ac:spMk id="12" creationId="{34A9F63B-5782-48C2-A642-DE3F8401729B}"/>
+          </ac:spMkLst>
+        </pc:spChg>
+      </pc:sldChg>
+      <pc:sldMasterChg chg="delSldLayout">
+        <pc:chgData name="Israfilov, Ruslan" userId="333b6087-0dd7-4054-ae4c-02f41f1879ad" providerId="ADAL" clId="{5114A05F-9365-43FD-9AB6-35197A184D6D}" dt="2021-03-24T16:41:23.240" v="2098" actId="47"/>
+        <pc:sldMasterMkLst>
+          <pc:docMk/>
+          <pc:sldMasterMk cId="0" sldId="2147483648"/>
+        </pc:sldMasterMkLst>
+        <pc:sldLayoutChg chg="del">
+          <pc:chgData name="Israfilov, Ruslan" userId="333b6087-0dd7-4054-ae4c-02f41f1879ad" providerId="ADAL" clId="{5114A05F-9365-43FD-9AB6-35197A184D6D}" dt="2021-03-24T16:41:23.240" v="2098" actId="47"/>
+          <pc:sldLayoutMkLst>
+            <pc:docMk/>
+            <pc:sldMasterMk cId="0" sldId="2147483648"/>
+            <pc:sldLayoutMk cId="2351535363" sldId="2147483781"/>
+          </pc:sldLayoutMkLst>
+        </pc:sldLayoutChg>
       </pc:sldMasterChg>
     </pc:docChg>
   </pc:docChgLst>
@@ -3169,7 +3169,7 @@
           <a:p>
             <a:fld id="{E10B726A-C477-6444-83BF-F1538D69AD12}" type="datetimeFigureOut">
               <a:rPr lang="en-US" smtClean="0"/>
-              <a:t>3/24/2021</a:t>
+              <a:t>4/12/2021</a:t>
             </a:fld>
             <a:endParaRPr lang="en-US"/>
           </a:p>
@@ -3685,7 +3685,7 @@
           </a:ln>
           <a:extLst>
             <a:ext uri="{C572A759-6A51-4108-AA02-DFA0A04FC94B}">
-              <ma14:wrappingTextBoxFlag xmlns:ma14="http://schemas.microsoft.com/office/mac/drawingml/2011/main" xmlns:a14="http://schemas.microsoft.com/office/drawing/2010/main" xmlns:m="http://schemas.openxmlformats.org/officeDocument/2006/math" xmlns="" val="1"/>
+              <ma14:wrappingTextBoxFlag xmlns="" xmlns:m="http://schemas.openxmlformats.org/officeDocument/2006/math" xmlns:a14="http://schemas.microsoft.com/office/drawing/2010/main" xmlns:ma14="http://schemas.microsoft.com/office/mac/drawingml/2011/main" val="1"/>
             </a:ext>
           </a:extLst>
         </p:spPr>
@@ -5159,7 +5159,7 @@
           </a:ln>
           <a:extLst>
             <a:ext uri="{C572A759-6A51-4108-AA02-DFA0A04FC94B}">
-              <ma14:wrappingTextBoxFlag xmlns:ma14="http://schemas.microsoft.com/office/mac/drawingml/2011/main" xmlns:a14="http://schemas.microsoft.com/office/drawing/2010/main" xmlns:m="http://schemas.openxmlformats.org/officeDocument/2006/math" xmlns="" val="1"/>
+              <ma14:wrappingTextBoxFlag xmlns="" xmlns:m="http://schemas.openxmlformats.org/officeDocument/2006/math" xmlns:a14="http://schemas.microsoft.com/office/drawing/2010/main" xmlns:ma14="http://schemas.microsoft.com/office/mac/drawingml/2011/main" val="1"/>
             </a:ext>
           </a:extLst>
         </p:spPr>
@@ -5398,7 +5398,7 @@
           </a:ln>
           <a:extLst>
             <a:ext uri="{C572A759-6A51-4108-AA02-DFA0A04FC94B}">
-              <ma14:wrappingTextBoxFlag xmlns:ma14="http://schemas.microsoft.com/office/mac/drawingml/2011/main" xmlns:a14="http://schemas.microsoft.com/office/drawing/2010/main" xmlns:m="http://schemas.openxmlformats.org/officeDocument/2006/math" xmlns="" val="1"/>
+              <ma14:wrappingTextBoxFlag xmlns="" xmlns:m="http://schemas.openxmlformats.org/officeDocument/2006/math" xmlns:a14="http://schemas.microsoft.com/office/drawing/2010/main" xmlns:ma14="http://schemas.microsoft.com/office/mac/drawingml/2011/main" val="1"/>
             </a:ext>
           </a:extLst>
         </p:spPr>
@@ -5494,7 +5494,7 @@
           </a:ln>
           <a:extLst>
             <a:ext uri="{C572A759-6A51-4108-AA02-DFA0A04FC94B}">
-              <ma14:wrappingTextBoxFlag xmlns:ma14="http://schemas.microsoft.com/office/mac/drawingml/2011/main" xmlns:a14="http://schemas.microsoft.com/office/drawing/2010/main" xmlns:m="http://schemas.openxmlformats.org/officeDocument/2006/math" xmlns="" val="1"/>
+              <ma14:wrappingTextBoxFlag xmlns="" xmlns:m="http://schemas.openxmlformats.org/officeDocument/2006/math" xmlns:a14="http://schemas.microsoft.com/office/drawing/2010/main" xmlns:ma14="http://schemas.microsoft.com/office/mac/drawingml/2011/main" val="1"/>
             </a:ext>
           </a:extLst>
         </p:spPr>
@@ -5929,7 +5929,7 @@
           </a:ln>
           <a:extLst>
             <a:ext uri="{C572A759-6A51-4108-AA02-DFA0A04FC94B}">
-              <ma14:wrappingTextBoxFlag xmlns:ma14="http://schemas.microsoft.com/office/mac/drawingml/2011/main" xmlns:a14="http://schemas.microsoft.com/office/drawing/2010/main" xmlns:m="http://schemas.openxmlformats.org/officeDocument/2006/math" xmlns="" val="1"/>
+              <ma14:wrappingTextBoxFlag xmlns="" xmlns:m="http://schemas.openxmlformats.org/officeDocument/2006/math" xmlns:a14="http://schemas.microsoft.com/office/drawing/2010/main" xmlns:ma14="http://schemas.microsoft.com/office/mac/drawingml/2011/main" val="1"/>
             </a:ext>
           </a:extLst>
         </p:spPr>
@@ -6307,7 +6307,7 @@
           </a:ln>
           <a:extLst>
             <a:ext uri="{C572A759-6A51-4108-AA02-DFA0A04FC94B}">
-              <ma14:wrappingTextBoxFlag xmlns:ma14="http://schemas.microsoft.com/office/mac/drawingml/2011/main" xmlns:a14="http://schemas.microsoft.com/office/drawing/2010/main" xmlns:m="http://schemas.openxmlformats.org/officeDocument/2006/math" xmlns="" val="1"/>
+              <ma14:wrappingTextBoxFlag xmlns="" xmlns:m="http://schemas.openxmlformats.org/officeDocument/2006/math" xmlns:a14="http://schemas.microsoft.com/office/drawing/2010/main" xmlns:ma14="http://schemas.microsoft.com/office/mac/drawingml/2011/main" val="1"/>
             </a:ext>
           </a:extLst>
         </p:spPr>
@@ -6757,7 +6757,7 @@
           </a:ln>
           <a:extLst>
             <a:ext uri="{C572A759-6A51-4108-AA02-DFA0A04FC94B}">
-              <ma14:wrappingTextBoxFlag xmlns:ma14="http://schemas.microsoft.com/office/mac/drawingml/2011/main" xmlns:a14="http://schemas.microsoft.com/office/drawing/2010/main" xmlns:m="http://schemas.openxmlformats.org/officeDocument/2006/math" xmlns="" val="1"/>
+              <ma14:wrappingTextBoxFlag xmlns="" xmlns:m="http://schemas.openxmlformats.org/officeDocument/2006/math" xmlns:a14="http://schemas.microsoft.com/office/drawing/2010/main" xmlns:ma14="http://schemas.microsoft.com/office/mac/drawingml/2011/main" val="1"/>
             </a:ext>
           </a:extLst>
         </p:spPr>
@@ -7416,7 +7416,7 @@
           </a:ln>
           <a:extLst>
             <a:ext uri="{C572A759-6A51-4108-AA02-DFA0A04FC94B}">
-              <ma14:wrappingTextBoxFlag xmlns:ma14="http://schemas.microsoft.com/office/mac/drawingml/2011/main" xmlns:a14="http://schemas.microsoft.com/office/drawing/2010/main" xmlns:m="http://schemas.openxmlformats.org/officeDocument/2006/math" xmlns="" val="1"/>
+              <ma14:wrappingTextBoxFlag xmlns="" xmlns:m="http://schemas.openxmlformats.org/officeDocument/2006/math" xmlns:a14="http://schemas.microsoft.com/office/drawing/2010/main" xmlns:ma14="http://schemas.microsoft.com/office/mac/drawingml/2011/main" val="1"/>
             </a:ext>
           </a:extLst>
         </p:spPr>
@@ -8119,7 +8119,7 @@
           </a:ln>
           <a:extLst>
             <a:ext uri="{C572A759-6A51-4108-AA02-DFA0A04FC94B}">
-              <ma14:wrappingTextBoxFlag xmlns:ma14="http://schemas.microsoft.com/office/mac/drawingml/2011/main" xmlns:a14="http://schemas.microsoft.com/office/drawing/2010/main" xmlns:m="http://schemas.openxmlformats.org/officeDocument/2006/math" xmlns="" val="1"/>
+              <ma14:wrappingTextBoxFlag xmlns="" xmlns:m="http://schemas.openxmlformats.org/officeDocument/2006/math" xmlns:a14="http://schemas.microsoft.com/office/drawing/2010/main" xmlns:ma14="http://schemas.microsoft.com/office/mac/drawingml/2011/main" val="1"/>
             </a:ext>
           </a:extLst>
         </p:spPr>
@@ -8830,7 +8830,7 @@
           </a:ln>
           <a:extLst>
             <a:ext uri="{C572A759-6A51-4108-AA02-DFA0A04FC94B}">
-              <ma14:wrappingTextBoxFlag xmlns:ma14="http://schemas.microsoft.com/office/mac/drawingml/2011/main" xmlns:a14="http://schemas.microsoft.com/office/drawing/2010/main" xmlns:m="http://schemas.openxmlformats.org/officeDocument/2006/math" xmlns="" val="1"/>
+              <ma14:wrappingTextBoxFlag xmlns="" xmlns:m="http://schemas.openxmlformats.org/officeDocument/2006/math" xmlns:a14="http://schemas.microsoft.com/office/drawing/2010/main" xmlns:ma14="http://schemas.microsoft.com/office/mac/drawingml/2011/main" val="1"/>
             </a:ext>
           </a:extLst>
         </p:spPr>
@@ -9608,7 +9608,7 @@
           </a:ln>
           <a:extLst>
             <a:ext uri="{C572A759-6A51-4108-AA02-DFA0A04FC94B}">
-              <ma14:wrappingTextBoxFlag xmlns:ma14="http://schemas.microsoft.com/office/mac/drawingml/2011/main" xmlns:a14="http://schemas.microsoft.com/office/drawing/2010/main" xmlns:m="http://schemas.openxmlformats.org/officeDocument/2006/math" xmlns="" val="1"/>
+              <ma14:wrappingTextBoxFlag xmlns="" xmlns:m="http://schemas.openxmlformats.org/officeDocument/2006/math" xmlns:a14="http://schemas.microsoft.com/office/drawing/2010/main" xmlns:ma14="http://schemas.microsoft.com/office/mac/drawingml/2011/main" val="1"/>
             </a:ext>
           </a:extLst>
         </p:spPr>
@@ -9855,7 +9855,7 @@
           </a:ln>
           <a:extLst>
             <a:ext uri="{C572A759-6A51-4108-AA02-DFA0A04FC94B}">
-              <ma14:wrappingTextBoxFlag xmlns:ma14="http://schemas.microsoft.com/office/mac/drawingml/2011/main" xmlns:a14="http://schemas.microsoft.com/office/drawing/2010/main" xmlns:m="http://schemas.openxmlformats.org/officeDocument/2006/math" xmlns="" val="1"/>
+              <ma14:wrappingTextBoxFlag xmlns="" xmlns:m="http://schemas.openxmlformats.org/officeDocument/2006/math" xmlns:a14="http://schemas.microsoft.com/office/drawing/2010/main" xmlns:ma14="http://schemas.microsoft.com/office/mac/drawingml/2011/main" val="1"/>
             </a:ext>
           </a:extLst>
         </p:spPr>
@@ -11666,7 +11666,7 @@
           </a:ln>
           <a:extLst>
             <a:ext uri="{C572A759-6A51-4108-AA02-DFA0A04FC94B}">
-              <ma14:wrappingTextBoxFlag xmlns:ma14="http://schemas.microsoft.com/office/mac/drawingml/2011/main" xmlns:a14="http://schemas.microsoft.com/office/drawing/2010/main" xmlns:m="http://schemas.openxmlformats.org/officeDocument/2006/math" xmlns="" val="1"/>
+              <ma14:wrappingTextBoxFlag xmlns="" xmlns:m="http://schemas.openxmlformats.org/officeDocument/2006/math" xmlns:a14="http://schemas.microsoft.com/office/drawing/2010/main" xmlns:ma14="http://schemas.microsoft.com/office/mac/drawingml/2011/main" val="1"/>
             </a:ext>
           </a:extLst>
         </p:spPr>
@@ -12030,7 +12030,7 @@
           </a:ln>
           <a:extLst>
             <a:ext uri="{C572A759-6A51-4108-AA02-DFA0A04FC94B}">
-              <ma14:wrappingTextBoxFlag xmlns:ma14="http://schemas.microsoft.com/office/mac/drawingml/2011/main" xmlns:a14="http://schemas.microsoft.com/office/drawing/2010/main" xmlns:m="http://schemas.openxmlformats.org/officeDocument/2006/math" xmlns="" val="1"/>
+              <ma14:wrappingTextBoxFlag xmlns="" xmlns:m="http://schemas.openxmlformats.org/officeDocument/2006/math" xmlns:a14="http://schemas.microsoft.com/office/drawing/2010/main" xmlns:ma14="http://schemas.microsoft.com/office/mac/drawingml/2011/main" val="1"/>
             </a:ext>
           </a:extLst>
         </p:spPr>
@@ -12717,7 +12717,7 @@
           </a:ln>
           <a:extLst>
             <a:ext uri="{C572A759-6A51-4108-AA02-DFA0A04FC94B}">
-              <ma14:wrappingTextBoxFlag xmlns:ma14="http://schemas.microsoft.com/office/mac/drawingml/2011/main" xmlns:a14="http://schemas.microsoft.com/office/drawing/2010/main" xmlns:m="http://schemas.openxmlformats.org/officeDocument/2006/math" xmlns="" val="1"/>
+              <ma14:wrappingTextBoxFlag xmlns="" xmlns:m="http://schemas.openxmlformats.org/officeDocument/2006/math" xmlns:a14="http://schemas.microsoft.com/office/drawing/2010/main" xmlns:ma14="http://schemas.microsoft.com/office/mac/drawingml/2011/main" val="1"/>
             </a:ext>
           </a:extLst>
         </p:spPr>
@@ -13276,7 +13276,7 @@
           </a:ln>
           <a:extLst>
             <a:ext uri="{C572A759-6A51-4108-AA02-DFA0A04FC94B}">
-              <ma14:wrappingTextBoxFlag xmlns:ma14="http://schemas.microsoft.com/office/mac/drawingml/2011/main" xmlns:a14="http://schemas.microsoft.com/office/drawing/2010/main" xmlns:m="http://schemas.openxmlformats.org/officeDocument/2006/math" xmlns="" val="1"/>
+              <ma14:wrappingTextBoxFlag xmlns="" xmlns:m="http://schemas.openxmlformats.org/officeDocument/2006/math" xmlns:a14="http://schemas.microsoft.com/office/drawing/2010/main" xmlns:ma14="http://schemas.microsoft.com/office/mac/drawingml/2011/main" val="1"/>
             </a:ext>
           </a:extLst>
         </p:spPr>
@@ -13900,7 +13900,7 @@
           </a:ln>
           <a:extLst>
             <a:ext uri="{C572A759-6A51-4108-AA02-DFA0A04FC94B}">
-              <ma14:wrappingTextBoxFlag xmlns:ma14="http://schemas.microsoft.com/office/mac/drawingml/2011/main" xmlns:a14="http://schemas.microsoft.com/office/drawing/2010/main" xmlns:m="http://schemas.openxmlformats.org/officeDocument/2006/math" xmlns="" val="1"/>
+              <ma14:wrappingTextBoxFlag xmlns="" xmlns:m="http://schemas.openxmlformats.org/officeDocument/2006/math" xmlns:a14="http://schemas.microsoft.com/office/drawing/2010/main" xmlns:ma14="http://schemas.microsoft.com/office/mac/drawingml/2011/main" val="1"/>
             </a:ext>
           </a:extLst>
         </p:spPr>
@@ -14362,7 +14362,7 @@
           </a:ln>
           <a:extLst>
             <a:ext uri="{C572A759-6A51-4108-AA02-DFA0A04FC94B}">
-              <ma14:wrappingTextBoxFlag xmlns:ma14="http://schemas.microsoft.com/office/mac/drawingml/2011/main" xmlns:a14="http://schemas.microsoft.com/office/drawing/2010/main" xmlns:m="http://schemas.openxmlformats.org/officeDocument/2006/math" xmlns="" val="1"/>
+              <ma14:wrappingTextBoxFlag xmlns="" xmlns:m="http://schemas.openxmlformats.org/officeDocument/2006/math" xmlns:a14="http://schemas.microsoft.com/office/drawing/2010/main" xmlns:ma14="http://schemas.microsoft.com/office/mac/drawingml/2011/main" val="1"/>
             </a:ext>
           </a:extLst>
         </p:spPr>
@@ -14866,7 +14866,7 @@
           </a:ln>
           <a:extLst>
             <a:ext uri="{C572A759-6A51-4108-AA02-DFA0A04FC94B}">
-              <ma14:wrappingTextBoxFlag xmlns="" xmlns:m="http://schemas.openxmlformats.org/officeDocument/2006/math" xmlns:a14="http://schemas.microsoft.com/office/drawing/2010/main" xmlns:ma14="http://schemas.microsoft.com/office/mac/drawingml/2011/main" val="1"/>
+              <ma14:wrappingTextBoxFlag xmlns:ma14="http://schemas.microsoft.com/office/mac/drawingml/2011/main" xmlns:a14="http://schemas.microsoft.com/office/drawing/2010/main" xmlns:m="http://schemas.openxmlformats.org/officeDocument/2006/math" xmlns="" val="1"/>
             </a:ext>
           </a:extLst>
         </p:spPr>
@@ -15257,7 +15257,7 @@
           </a:ln>
           <a:extLst>
             <a:ext uri="{C572A759-6A51-4108-AA02-DFA0A04FC94B}">
-              <ma14:wrappingTextBoxFlag xmlns:ma14="http://schemas.microsoft.com/office/mac/drawingml/2011/main" xmlns:a14="http://schemas.microsoft.com/office/drawing/2010/main" xmlns:m="http://schemas.openxmlformats.org/officeDocument/2006/math" xmlns="" val="1"/>
+              <ma14:wrappingTextBoxFlag xmlns="" xmlns:m="http://schemas.openxmlformats.org/officeDocument/2006/math" xmlns:a14="http://schemas.microsoft.com/office/drawing/2010/main" xmlns:ma14="http://schemas.microsoft.com/office/mac/drawingml/2011/main" val="1"/>
             </a:ext>
           </a:extLst>
         </p:spPr>
@@ -15353,7 +15353,7 @@
           </a:ln>
           <a:extLst>
             <a:ext uri="{C572A759-6A51-4108-AA02-DFA0A04FC94B}">
-              <ma14:wrappingTextBoxFlag xmlns:ma14="http://schemas.microsoft.com/office/mac/drawingml/2011/main" xmlns:a14="http://schemas.microsoft.com/office/drawing/2010/main" xmlns:m="http://schemas.openxmlformats.org/officeDocument/2006/math" xmlns="" val="1"/>
+              <ma14:wrappingTextBoxFlag xmlns="" xmlns:m="http://schemas.openxmlformats.org/officeDocument/2006/math" xmlns:a14="http://schemas.microsoft.com/office/drawing/2010/main" xmlns:ma14="http://schemas.microsoft.com/office/mac/drawingml/2011/main" val="1"/>
             </a:ext>
           </a:extLst>
         </p:spPr>
@@ -15511,7 +15511,7 @@
           </a:ln>
           <a:extLst>
             <a:ext uri="{C572A759-6A51-4108-AA02-DFA0A04FC94B}">
-              <ma14:wrappingTextBoxFlag xmlns:ma14="http://schemas.microsoft.com/office/mac/drawingml/2011/main" xmlns:a14="http://schemas.microsoft.com/office/drawing/2010/main" xmlns:m="http://schemas.openxmlformats.org/officeDocument/2006/math" xmlns="" val="1"/>
+              <ma14:wrappingTextBoxFlag xmlns="" xmlns:m="http://schemas.openxmlformats.org/officeDocument/2006/math" xmlns:a14="http://schemas.microsoft.com/office/drawing/2010/main" xmlns:ma14="http://schemas.microsoft.com/office/mac/drawingml/2011/main" val="1"/>
             </a:ext>
           </a:extLst>
         </p:spPr>
@@ -15719,7 +15719,7 @@
           </a:ln>
           <a:extLst>
             <a:ext uri="{C572A759-6A51-4108-AA02-DFA0A04FC94B}">
-              <ma14:wrappingTextBoxFlag xmlns:ma14="http://schemas.microsoft.com/office/mac/drawingml/2011/main" xmlns:a14="http://schemas.microsoft.com/office/drawing/2010/main" xmlns:m="http://schemas.openxmlformats.org/officeDocument/2006/math" xmlns="" val="1"/>
+              <ma14:wrappingTextBoxFlag xmlns="" xmlns:m="http://schemas.openxmlformats.org/officeDocument/2006/math" xmlns:a14="http://schemas.microsoft.com/office/drawing/2010/main" xmlns:ma14="http://schemas.microsoft.com/office/mac/drawingml/2011/main" val="1"/>
             </a:ext>
           </a:extLst>
         </p:spPr>
@@ -15989,7 +15989,7 @@
           </a:ln>
           <a:extLst>
             <a:ext uri="{C572A759-6A51-4108-AA02-DFA0A04FC94B}">
-              <ma14:wrappingTextBoxFlag xmlns:ma14="http://schemas.microsoft.com/office/mac/drawingml/2011/main" xmlns:a14="http://schemas.microsoft.com/office/drawing/2010/main" xmlns:m="http://schemas.openxmlformats.org/officeDocument/2006/math" xmlns="" val="1"/>
+              <ma14:wrappingTextBoxFlag xmlns="" xmlns:m="http://schemas.openxmlformats.org/officeDocument/2006/math" xmlns:a14="http://schemas.microsoft.com/office/drawing/2010/main" xmlns:ma14="http://schemas.microsoft.com/office/mac/drawingml/2011/main" val="1"/>
             </a:ext>
           </a:extLst>
         </p:spPr>
@@ -16209,7 +16209,7 @@
           </a:ln>
           <a:extLst>
             <a:ext uri="{C572A759-6A51-4108-AA02-DFA0A04FC94B}">
-              <ma14:wrappingTextBoxFlag xmlns:ma14="http://schemas.microsoft.com/office/mac/drawingml/2011/main" xmlns:a14="http://schemas.microsoft.com/office/drawing/2010/main" xmlns:m="http://schemas.openxmlformats.org/officeDocument/2006/math" xmlns="" val="1"/>
+              <ma14:wrappingTextBoxFlag xmlns="" xmlns:m="http://schemas.openxmlformats.org/officeDocument/2006/math" xmlns:a14="http://schemas.microsoft.com/office/drawing/2010/main" xmlns:ma14="http://schemas.microsoft.com/office/mac/drawingml/2011/main" val="1"/>
             </a:ext>
           </a:extLst>
         </p:spPr>
@@ -16263,7 +16263,7 @@
           </a:ln>
           <a:extLst>
             <a:ext uri="{C572A759-6A51-4108-AA02-DFA0A04FC94B}">
-              <ma14:wrappingTextBoxFlag xmlns:ma14="http://schemas.microsoft.com/office/mac/drawingml/2011/main" xmlns:a14="http://schemas.microsoft.com/office/drawing/2010/main" xmlns:m="http://schemas.openxmlformats.org/officeDocument/2006/math" xmlns="" val="1"/>
+              <ma14:wrappingTextBoxFlag xmlns="" xmlns:m="http://schemas.openxmlformats.org/officeDocument/2006/math" xmlns:a14="http://schemas.microsoft.com/office/drawing/2010/main" xmlns:ma14="http://schemas.microsoft.com/office/mac/drawingml/2011/main" val="1"/>
             </a:ext>
           </a:extLst>
         </p:spPr>
@@ -16331,7 +16331,7 @@
           </a:ln>
           <a:extLst>
             <a:ext uri="{C572A759-6A51-4108-AA02-DFA0A04FC94B}">
-              <ma14:wrappingTextBoxFlag xmlns:ma14="http://schemas.microsoft.com/office/mac/drawingml/2011/main" xmlns:a14="http://schemas.microsoft.com/office/drawing/2010/main" xmlns:m="http://schemas.openxmlformats.org/officeDocument/2006/math" xmlns="" val="1"/>
+              <ma14:wrappingTextBoxFlag xmlns="" xmlns:m="http://schemas.openxmlformats.org/officeDocument/2006/math" xmlns:a14="http://schemas.microsoft.com/office/drawing/2010/main" xmlns:ma14="http://schemas.microsoft.com/office/mac/drawingml/2011/main" val="1"/>
             </a:ext>
           </a:extLst>
         </p:spPr>
@@ -16781,7 +16781,7 @@
           </a:ln>
           <a:extLst>
             <a:ext uri="{C572A759-6A51-4108-AA02-DFA0A04FC94B}">
-              <ma14:wrappingTextBoxFlag xmlns:ma14="http://schemas.microsoft.com/office/mac/drawingml/2011/main" xmlns:a14="http://schemas.microsoft.com/office/drawing/2010/main" xmlns:m="http://schemas.openxmlformats.org/officeDocument/2006/math" xmlns="" val="1"/>
+              <ma14:wrappingTextBoxFlag xmlns="" xmlns:m="http://schemas.openxmlformats.org/officeDocument/2006/math" xmlns:a14="http://schemas.microsoft.com/office/drawing/2010/main" xmlns:ma14="http://schemas.microsoft.com/office/mac/drawingml/2011/main" val="1"/>
             </a:ext>
           </a:extLst>
         </p:spPr>
@@ -16857,7 +16857,7 @@
           </a:ln>
           <a:extLst>
             <a:ext uri="{C572A759-6A51-4108-AA02-DFA0A04FC94B}">
-              <ma14:wrappingTextBoxFlag xmlns:ma14="http://schemas.microsoft.com/office/mac/drawingml/2011/main" xmlns:a14="http://schemas.microsoft.com/office/drawing/2010/main" xmlns:m="http://schemas.openxmlformats.org/officeDocument/2006/math" xmlns="" val="1"/>
+              <ma14:wrappingTextBoxFlag xmlns="" xmlns:m="http://schemas.openxmlformats.org/officeDocument/2006/math" xmlns:a14="http://schemas.microsoft.com/office/drawing/2010/main" xmlns:ma14="http://schemas.microsoft.com/office/mac/drawingml/2011/main" val="1"/>
             </a:ext>
           </a:extLst>
         </p:spPr>
@@ -17903,15 +17903,10 @@
           <a:lstStyle/>
           <a:p>
             <a:r>
-              <a:rPr lang="en-US" dirty="0"/>
-              <a:t>Ruslan Israfilov</a:t>
-            </a:r>
-          </a:p>
-          <a:p>
-            <a:r>
-              <a:rPr lang="en-US" dirty="0"/>
+              <a:rPr lang="en-US"/>
               <a:t>ww12’21</a:t>
             </a:r>
+            <a:endParaRPr lang="en-US" dirty="0"/>
           </a:p>
         </p:txBody>
       </p:sp>
@@ -24566,21 +24561,6 @@
 </file>
 
 <file path=customXml/item1.xml><?xml version="1.0" encoding="utf-8"?>
-<?mso-contentType ?>
-<FormTemplates xmlns="http://schemas.microsoft.com/sharepoint/v3/contenttype/forms">
-  <Display>DocumentLibraryForm</Display>
-  <Edit>DocumentLibraryForm</Edit>
-  <New>DocumentLibraryForm</New>
-</FormTemplates>
-</file>
-
-<file path=customXml/item2.xml><?xml version="1.0" encoding="utf-8"?>
-<p:properties xmlns:p="http://schemas.microsoft.com/office/2006/metadata/properties" xmlns:xsi="http://www.w3.org/2001/XMLSchema-instance" xmlns:pc="http://schemas.microsoft.com/office/infopath/2007/PartnerControls">
-  <documentManagement/>
-</p:properties>
-</file>
-
-<file path=customXml/item3.xml><?xml version="1.0" encoding="utf-8"?>
 <ct:contentTypeSchema xmlns:ct="http://schemas.microsoft.com/office/2006/metadata/contentType" xmlns:ma="http://schemas.microsoft.com/office/2006/metadata/properties/metaAttributes" ct:_="" ma:_="" ma:contentTypeName="Document" ma:contentTypeID="0x0101006930A2CCC8BB374E8F97E320734A8550" ma:contentTypeVersion="12" ma:contentTypeDescription="Create a new document." ma:contentTypeScope="" ma:versionID="569467a7968d42aacfe389e8a6f48b54">
   <xsd:schema xmlns:xsd="http://www.w3.org/2001/XMLSchema" xmlns:xs="http://www.w3.org/2001/XMLSchema" xmlns:p="http://schemas.microsoft.com/office/2006/metadata/properties" xmlns:ns2="29d23b80-1314-4141-a7d6-30c9c59cc8b6" xmlns:ns3="0fe66319-9cb6-4191-a21a-199fa91d2478" targetNamespace="http://schemas.microsoft.com/office/2006/metadata/properties" ma:root="true" ma:fieldsID="a5232337c4b425d3eaa3635eb2c95c27" ns2:_="" ns3:_="">
     <xsd:import namespace="29d23b80-1314-4141-a7d6-30c9c59cc8b6"/>
@@ -24797,24 +24777,22 @@
 </ct:contentTypeSchema>
 </file>
 
-<file path=customXml/itemProps1.xml><?xml version="1.0" encoding="utf-8"?>
-<ds:datastoreItem xmlns:ds="http://schemas.openxmlformats.org/officeDocument/2006/customXml" ds:itemID="{DD875834-5F06-44F3-AF00-E289C7A19FB7}">
-  <ds:schemaRefs>
-    <ds:schemaRef ds:uri="http://schemas.microsoft.com/sharepoint/v3/contenttype/forms"/>
-  </ds:schemaRefs>
-</ds:datastoreItem>
+<file path=customXml/item2.xml><?xml version="1.0" encoding="utf-8"?>
+<p:properties xmlns:p="http://schemas.microsoft.com/office/2006/metadata/properties" xmlns:xsi="http://www.w3.org/2001/XMLSchema-instance" xmlns:pc="http://schemas.microsoft.com/office/infopath/2007/PartnerControls">
+  <documentManagement/>
+</p:properties>
 </file>
 
-<file path=customXml/itemProps2.xml><?xml version="1.0" encoding="utf-8"?>
-<ds:datastoreItem xmlns:ds="http://schemas.openxmlformats.org/officeDocument/2006/customXml" ds:itemID="{3CF83AFF-DED5-44DB-AF93-9B1E6487DF70}">
-  <ds:schemaRefs>
-    <ds:schemaRef ds:uri="http://schemas.microsoft.com/office/2006/metadata/properties"/>
-    <ds:schemaRef ds:uri="http://schemas.microsoft.com/office/infopath/2007/PartnerControls"/>
-  </ds:schemaRefs>
-</ds:datastoreItem>
+<file path=customXml/item3.xml><?xml version="1.0" encoding="utf-8"?>
+<?mso-contentType ?>
+<FormTemplates xmlns="http://schemas.microsoft.com/sharepoint/v3/contenttype/forms">
+  <Display>DocumentLibraryForm</Display>
+  <Edit>DocumentLibraryForm</Edit>
+  <New>DocumentLibraryForm</New>
+</FormTemplates>
 </file>
 
-<file path=customXml/itemProps3.xml><?xml version="1.0" encoding="utf-8"?>
+<file path=customXml/itemProps1.xml><?xml version="1.0" encoding="utf-8"?>
 <ds:datastoreItem xmlns:ds="http://schemas.openxmlformats.org/officeDocument/2006/customXml" ds:itemID="{062F507D-0E47-4C1C-BE4A-57FEA069173C}">
   <ds:schemaRefs>
     <ds:schemaRef ds:uri="http://schemas.microsoft.com/office/2006/metadata/contentType"/>
@@ -24831,4 +24809,21 @@
     <ds:schemaRef ds:uri="http://schemas.microsoft.com/internal/obd"/>
   </ds:schemaRefs>
 </ds:datastoreItem>
+</file>
+
+<file path=customXml/itemProps2.xml><?xml version="1.0" encoding="utf-8"?>
+<ds:datastoreItem xmlns:ds="http://schemas.openxmlformats.org/officeDocument/2006/customXml" ds:itemID="{3CF83AFF-DED5-44DB-AF93-9B1E6487DF70}">
+  <ds:schemaRefs>
+    <ds:schemaRef ds:uri="http://schemas.microsoft.com/office/2006/metadata/properties"/>
+    <ds:schemaRef ds:uri="http://schemas.microsoft.com/office/infopath/2007/PartnerControls"/>
+  </ds:schemaRefs>
+</ds:datastoreItem>
+</file>
+
+<file path=customXml/itemProps3.xml><?xml version="1.0" encoding="utf-8"?>
+<ds:datastoreItem xmlns:ds="http://schemas.openxmlformats.org/officeDocument/2006/customXml" ds:itemID="{DD875834-5F06-44F3-AF00-E289C7A19FB7}">
+  <ds:schemaRefs>
+    <ds:schemaRef ds:uri="http://schemas.microsoft.com/sharepoint/v3/contenttype/forms"/>
+  </ds:schemaRefs>
+</ds:datastoreItem>
 </file>